--- a/Presentation/Final Presentation.pptx
+++ b/Presentation/Final Presentation.pptx
@@ -4,20 +4,24 @@
   <p:sldMasterIdLst>
     <p:sldMasterId id="2147484242" r:id="rId1"/>
   </p:sldMasterIdLst>
+  <p:notesMasterIdLst>
+    <p:notesMasterId r:id="rId16"/>
+  </p:notesMasterIdLst>
   <p:sldIdLst>
     <p:sldId id="256" r:id="rId2"/>
-    <p:sldId id="257" r:id="rId3"/>
+    <p:sldId id="270" r:id="rId3"/>
     <p:sldId id="258" r:id="rId4"/>
-    <p:sldId id="259" r:id="rId5"/>
+    <p:sldId id="271" r:id="rId5"/>
     <p:sldId id="260" r:id="rId6"/>
-    <p:sldId id="261" r:id="rId7"/>
+    <p:sldId id="272" r:id="rId7"/>
     <p:sldId id="262" r:id="rId8"/>
-    <p:sldId id="263" r:id="rId9"/>
+    <p:sldId id="273" r:id="rId9"/>
     <p:sldId id="264" r:id="rId10"/>
-    <p:sldId id="265" r:id="rId11"/>
+    <p:sldId id="274" r:id="rId11"/>
     <p:sldId id="266" r:id="rId12"/>
-    <p:sldId id="267" r:id="rId13"/>
-    <p:sldId id="268" r:id="rId14"/>
+    <p:sldId id="269" r:id="rId13"/>
+    <p:sldId id="267" r:id="rId14"/>
+    <p:sldId id="268" r:id="rId15"/>
   </p:sldIdLst>
   <p:sldSz cx="9144000" cy="6858000" type="screen4x3"/>
   <p:notesSz cx="6858000" cy="9144000"/>
@@ -122,6 +126,440 @@
     </p:ext>
   </p:extLst>
 </p:presentation>
+</file>
+
+<file path=ppt/notesMasters/notesMaster1.xml><?xml version="1.0" encoding="utf-8"?>
+<p:notesMaster xmlns:a="http://schemas.openxmlformats.org/drawingml/2006/main" xmlns:r="http://schemas.openxmlformats.org/officeDocument/2006/relationships" xmlns:p="http://schemas.openxmlformats.org/presentationml/2006/main">
+  <p:cSld>
+    <p:bg>
+      <p:bgRef idx="1001">
+        <a:schemeClr val="bg1"/>
+      </p:bgRef>
+    </p:bg>
+    <p:spTree>
+      <p:nvGrpSpPr>
+        <p:cNvPr id="1" name=""/>
+        <p:cNvGrpSpPr/>
+        <p:nvPr/>
+      </p:nvGrpSpPr>
+      <p:grpSpPr>
+        <a:xfrm>
+          <a:off x="0" y="0"/>
+          <a:ext cx="0" cy="0"/>
+          <a:chOff x="0" y="0"/>
+          <a:chExt cx="0" cy="0"/>
+        </a:xfrm>
+      </p:grpSpPr>
+      <p:sp>
+        <p:nvSpPr>
+          <p:cNvPr id="2" name="Header Placeholder 1"/>
+          <p:cNvSpPr>
+            <a:spLocks noGrp="1"/>
+          </p:cNvSpPr>
+          <p:nvPr>
+            <p:ph type="hdr" sz="quarter"/>
+          </p:nvPr>
+        </p:nvSpPr>
+        <p:spPr>
+          <a:xfrm>
+            <a:off x="0" y="0"/>
+            <a:ext cx="2971800" cy="458788"/>
+          </a:xfrm>
+          <a:prstGeom prst="rect">
+            <a:avLst/>
+          </a:prstGeom>
+        </p:spPr>
+        <p:txBody>
+          <a:bodyPr vert="horz" lIns="91440" tIns="45720" rIns="91440" bIns="45720" rtlCol="0"/>
+          <a:lstStyle>
+            <a:lvl1pPr algn="l">
+              <a:defRPr sz="1200"/>
+            </a:lvl1pPr>
+          </a:lstStyle>
+          <a:p>
+            <a:endParaRPr lang="en-US"/>
+          </a:p>
+        </p:txBody>
+      </p:sp>
+      <p:sp>
+        <p:nvSpPr>
+          <p:cNvPr id="3" name="Date Placeholder 2"/>
+          <p:cNvSpPr>
+            <a:spLocks noGrp="1"/>
+          </p:cNvSpPr>
+          <p:nvPr>
+            <p:ph type="dt" idx="1"/>
+          </p:nvPr>
+        </p:nvSpPr>
+        <p:spPr>
+          <a:xfrm>
+            <a:off x="3884613" y="0"/>
+            <a:ext cx="2971800" cy="458788"/>
+          </a:xfrm>
+          <a:prstGeom prst="rect">
+            <a:avLst/>
+          </a:prstGeom>
+        </p:spPr>
+        <p:txBody>
+          <a:bodyPr vert="horz" lIns="91440" tIns="45720" rIns="91440" bIns="45720" rtlCol="0"/>
+          <a:lstStyle>
+            <a:lvl1pPr algn="r">
+              <a:defRPr sz="1200"/>
+            </a:lvl1pPr>
+          </a:lstStyle>
+          <a:p>
+            <a:fld id="{3D9CE804-42A8-4CF7-89C8-C166D8A03A1D}" type="datetimeFigureOut">
+              <a:rPr lang="en-US" smtClean="0"/>
+              <a:t>4/27/2017</a:t>
+            </a:fld>
+            <a:endParaRPr lang="en-US"/>
+          </a:p>
+        </p:txBody>
+      </p:sp>
+      <p:sp>
+        <p:nvSpPr>
+          <p:cNvPr id="4" name="Slide Image Placeholder 3"/>
+          <p:cNvSpPr>
+            <a:spLocks noGrp="1" noRot="1" noChangeAspect="1"/>
+          </p:cNvSpPr>
+          <p:nvPr>
+            <p:ph type="sldImg" idx="2"/>
+          </p:nvPr>
+        </p:nvSpPr>
+        <p:spPr>
+          <a:xfrm>
+            <a:off x="1371600" y="1143000"/>
+            <a:ext cx="4114800" cy="3086100"/>
+          </a:xfrm>
+          <a:prstGeom prst="rect">
+            <a:avLst/>
+          </a:prstGeom>
+          <a:noFill/>
+          <a:ln w="12700">
+            <a:solidFill>
+              <a:prstClr val="black"/>
+            </a:solidFill>
+          </a:ln>
+        </p:spPr>
+        <p:txBody>
+          <a:bodyPr vert="horz" lIns="91440" tIns="45720" rIns="91440" bIns="45720" rtlCol="0" anchor="ctr"/>
+          <a:lstStyle/>
+          <a:p>
+            <a:endParaRPr lang="en-US"/>
+          </a:p>
+        </p:txBody>
+      </p:sp>
+      <p:sp>
+        <p:nvSpPr>
+          <p:cNvPr id="5" name="Notes Placeholder 4"/>
+          <p:cNvSpPr>
+            <a:spLocks noGrp="1"/>
+          </p:cNvSpPr>
+          <p:nvPr>
+            <p:ph type="body" sz="quarter" idx="3"/>
+          </p:nvPr>
+        </p:nvSpPr>
+        <p:spPr>
+          <a:xfrm>
+            <a:off x="685800" y="4400550"/>
+            <a:ext cx="5486400" cy="3600450"/>
+          </a:xfrm>
+          <a:prstGeom prst="rect">
+            <a:avLst/>
+          </a:prstGeom>
+        </p:spPr>
+        <p:txBody>
+          <a:bodyPr vert="horz" lIns="91440" tIns="45720" rIns="91440" bIns="45720" rtlCol="0"/>
+          <a:lstStyle/>
+          <a:p>
+            <a:pPr lvl="0"/>
+            <a:r>
+              <a:rPr lang="en-US" smtClean="0"/>
+              <a:t>Edit Master text styles</a:t>
+            </a:r>
+          </a:p>
+          <a:p>
+            <a:pPr lvl="1"/>
+            <a:r>
+              <a:rPr lang="en-US" smtClean="0"/>
+              <a:t>Second level</a:t>
+            </a:r>
+          </a:p>
+          <a:p>
+            <a:pPr lvl="2"/>
+            <a:r>
+              <a:rPr lang="en-US" smtClean="0"/>
+              <a:t>Third level</a:t>
+            </a:r>
+          </a:p>
+          <a:p>
+            <a:pPr lvl="3"/>
+            <a:r>
+              <a:rPr lang="en-US" smtClean="0"/>
+              <a:t>Fourth level</a:t>
+            </a:r>
+          </a:p>
+          <a:p>
+            <a:pPr lvl="4"/>
+            <a:r>
+              <a:rPr lang="en-US" smtClean="0"/>
+              <a:t>Fifth level</a:t>
+            </a:r>
+            <a:endParaRPr lang="en-US"/>
+          </a:p>
+        </p:txBody>
+      </p:sp>
+      <p:sp>
+        <p:nvSpPr>
+          <p:cNvPr id="6" name="Footer Placeholder 5"/>
+          <p:cNvSpPr>
+            <a:spLocks noGrp="1"/>
+          </p:cNvSpPr>
+          <p:nvPr>
+            <p:ph type="ftr" sz="quarter" idx="4"/>
+          </p:nvPr>
+        </p:nvSpPr>
+        <p:spPr>
+          <a:xfrm>
+            <a:off x="0" y="8685213"/>
+            <a:ext cx="2971800" cy="458787"/>
+          </a:xfrm>
+          <a:prstGeom prst="rect">
+            <a:avLst/>
+          </a:prstGeom>
+        </p:spPr>
+        <p:txBody>
+          <a:bodyPr vert="horz" lIns="91440" tIns="45720" rIns="91440" bIns="45720" rtlCol="0" anchor="b"/>
+          <a:lstStyle>
+            <a:lvl1pPr algn="l">
+              <a:defRPr sz="1200"/>
+            </a:lvl1pPr>
+          </a:lstStyle>
+          <a:p>
+            <a:endParaRPr lang="en-US"/>
+          </a:p>
+        </p:txBody>
+      </p:sp>
+      <p:sp>
+        <p:nvSpPr>
+          <p:cNvPr id="7" name="Slide Number Placeholder 6"/>
+          <p:cNvSpPr>
+            <a:spLocks noGrp="1"/>
+          </p:cNvSpPr>
+          <p:nvPr>
+            <p:ph type="sldNum" sz="quarter" idx="5"/>
+          </p:nvPr>
+        </p:nvSpPr>
+        <p:spPr>
+          <a:xfrm>
+            <a:off x="3884613" y="8685213"/>
+            <a:ext cx="2971800" cy="458787"/>
+          </a:xfrm>
+          <a:prstGeom prst="rect">
+            <a:avLst/>
+          </a:prstGeom>
+        </p:spPr>
+        <p:txBody>
+          <a:bodyPr vert="horz" lIns="91440" tIns="45720" rIns="91440" bIns="45720" rtlCol="0" anchor="b"/>
+          <a:lstStyle>
+            <a:lvl1pPr algn="r">
+              <a:defRPr sz="1200"/>
+            </a:lvl1pPr>
+          </a:lstStyle>
+          <a:p>
+            <a:fld id="{BD5C86C6-620E-4B3C-ACC9-A62B56C9D3E8}" type="slidenum">
+              <a:rPr lang="en-US" smtClean="0"/>
+              <a:t>‹#›</a:t>
+            </a:fld>
+            <a:endParaRPr lang="en-US"/>
+          </a:p>
+        </p:txBody>
+      </p:sp>
+    </p:spTree>
+    <p:extLst>
+      <p:ext uri="{BB962C8B-B14F-4D97-AF65-F5344CB8AC3E}">
+        <p14:creationId xmlns:p14="http://schemas.microsoft.com/office/powerpoint/2010/main" val="1697127757"/>
+      </p:ext>
+    </p:extLst>
+  </p:cSld>
+  <p:clrMap bg1="lt1" tx1="dk1" bg2="lt2" tx2="dk2" accent1="accent1" accent2="accent2" accent3="accent3" accent4="accent4" accent5="accent5" accent6="accent6" hlink="hlink" folHlink="folHlink"/>
+  <p:notesStyle>
+    <a:lvl1pPr marL="0" algn="l" defTabSz="914400" rtl="0" eaLnBrk="1" latinLnBrk="0" hangingPunct="1">
+      <a:defRPr sz="1200" kern="1200">
+        <a:solidFill>
+          <a:schemeClr val="tx1"/>
+        </a:solidFill>
+        <a:latin typeface="+mn-lt"/>
+        <a:ea typeface="+mn-ea"/>
+        <a:cs typeface="+mn-cs"/>
+      </a:defRPr>
+    </a:lvl1pPr>
+    <a:lvl2pPr marL="457200" algn="l" defTabSz="914400" rtl="0" eaLnBrk="1" latinLnBrk="0" hangingPunct="1">
+      <a:defRPr sz="1200" kern="1200">
+        <a:solidFill>
+          <a:schemeClr val="tx1"/>
+        </a:solidFill>
+        <a:latin typeface="+mn-lt"/>
+        <a:ea typeface="+mn-ea"/>
+        <a:cs typeface="+mn-cs"/>
+      </a:defRPr>
+    </a:lvl2pPr>
+    <a:lvl3pPr marL="914400" algn="l" defTabSz="914400" rtl="0" eaLnBrk="1" latinLnBrk="0" hangingPunct="1">
+      <a:defRPr sz="1200" kern="1200">
+        <a:solidFill>
+          <a:schemeClr val="tx1"/>
+        </a:solidFill>
+        <a:latin typeface="+mn-lt"/>
+        <a:ea typeface="+mn-ea"/>
+        <a:cs typeface="+mn-cs"/>
+      </a:defRPr>
+    </a:lvl3pPr>
+    <a:lvl4pPr marL="1371600" algn="l" defTabSz="914400" rtl="0" eaLnBrk="1" latinLnBrk="0" hangingPunct="1">
+      <a:defRPr sz="1200" kern="1200">
+        <a:solidFill>
+          <a:schemeClr val="tx1"/>
+        </a:solidFill>
+        <a:latin typeface="+mn-lt"/>
+        <a:ea typeface="+mn-ea"/>
+        <a:cs typeface="+mn-cs"/>
+      </a:defRPr>
+    </a:lvl4pPr>
+    <a:lvl5pPr marL="1828800" algn="l" defTabSz="914400" rtl="0" eaLnBrk="1" latinLnBrk="0" hangingPunct="1">
+      <a:defRPr sz="1200" kern="1200">
+        <a:solidFill>
+          <a:schemeClr val="tx1"/>
+        </a:solidFill>
+        <a:latin typeface="+mn-lt"/>
+        <a:ea typeface="+mn-ea"/>
+        <a:cs typeface="+mn-cs"/>
+      </a:defRPr>
+    </a:lvl5pPr>
+    <a:lvl6pPr marL="2286000" algn="l" defTabSz="914400" rtl="0" eaLnBrk="1" latinLnBrk="0" hangingPunct="1">
+      <a:defRPr sz="1200" kern="1200">
+        <a:solidFill>
+          <a:schemeClr val="tx1"/>
+        </a:solidFill>
+        <a:latin typeface="+mn-lt"/>
+        <a:ea typeface="+mn-ea"/>
+        <a:cs typeface="+mn-cs"/>
+      </a:defRPr>
+    </a:lvl6pPr>
+    <a:lvl7pPr marL="2743200" algn="l" defTabSz="914400" rtl="0" eaLnBrk="1" latinLnBrk="0" hangingPunct="1">
+      <a:defRPr sz="1200" kern="1200">
+        <a:solidFill>
+          <a:schemeClr val="tx1"/>
+        </a:solidFill>
+        <a:latin typeface="+mn-lt"/>
+        <a:ea typeface="+mn-ea"/>
+        <a:cs typeface="+mn-cs"/>
+      </a:defRPr>
+    </a:lvl7pPr>
+    <a:lvl8pPr marL="3200400" algn="l" defTabSz="914400" rtl="0" eaLnBrk="1" latinLnBrk="0" hangingPunct="1">
+      <a:defRPr sz="1200" kern="1200">
+        <a:solidFill>
+          <a:schemeClr val="tx1"/>
+        </a:solidFill>
+        <a:latin typeface="+mn-lt"/>
+        <a:ea typeface="+mn-ea"/>
+        <a:cs typeface="+mn-cs"/>
+      </a:defRPr>
+    </a:lvl8pPr>
+    <a:lvl9pPr marL="3657600" algn="l" defTabSz="914400" rtl="0" eaLnBrk="1" latinLnBrk="0" hangingPunct="1">
+      <a:defRPr sz="1200" kern="1200">
+        <a:solidFill>
+          <a:schemeClr val="tx1"/>
+        </a:solidFill>
+        <a:latin typeface="+mn-lt"/>
+        <a:ea typeface="+mn-ea"/>
+        <a:cs typeface="+mn-cs"/>
+      </a:defRPr>
+    </a:lvl9pPr>
+  </p:notesStyle>
+</p:notesMaster>
+</file>
+
+<file path=ppt/notesSlides/notesSlide1.xml><?xml version="1.0" encoding="utf-8"?>
+<p:notes xmlns:a="http://schemas.openxmlformats.org/drawingml/2006/main" xmlns:r="http://schemas.openxmlformats.org/officeDocument/2006/relationships" xmlns:p="http://schemas.openxmlformats.org/presentationml/2006/main">
+  <p:cSld>
+    <p:spTree>
+      <p:nvGrpSpPr>
+        <p:cNvPr id="1" name=""/>
+        <p:cNvGrpSpPr/>
+        <p:nvPr/>
+      </p:nvGrpSpPr>
+      <p:grpSpPr>
+        <a:xfrm>
+          <a:off x="0" y="0"/>
+          <a:ext cx="0" cy="0"/>
+          <a:chOff x="0" y="0"/>
+          <a:chExt cx="0" cy="0"/>
+        </a:xfrm>
+      </p:grpSpPr>
+      <p:sp>
+        <p:nvSpPr>
+          <p:cNvPr id="2" name="Slide Image Placeholder 1"/>
+          <p:cNvSpPr>
+            <a:spLocks noGrp="1" noRot="1" noChangeAspect="1"/>
+          </p:cNvSpPr>
+          <p:nvPr>
+            <p:ph type="sldImg"/>
+          </p:nvPr>
+        </p:nvSpPr>
+        <p:spPr/>
+      </p:sp>
+      <p:sp>
+        <p:nvSpPr>
+          <p:cNvPr id="3" name="Notes Placeholder 2"/>
+          <p:cNvSpPr>
+            <a:spLocks noGrp="1"/>
+          </p:cNvSpPr>
+          <p:nvPr>
+            <p:ph type="body" idx="1"/>
+          </p:nvPr>
+        </p:nvSpPr>
+        <p:spPr/>
+        <p:txBody>
+          <a:bodyPr/>
+          <a:lstStyle/>
+          <a:p>
+            <a:endParaRPr lang="en-US" dirty="0"/>
+          </a:p>
+        </p:txBody>
+      </p:sp>
+      <p:sp>
+        <p:nvSpPr>
+          <p:cNvPr id="4" name="Slide Number Placeholder 3"/>
+          <p:cNvSpPr>
+            <a:spLocks noGrp="1"/>
+          </p:cNvSpPr>
+          <p:nvPr>
+            <p:ph type="sldNum" sz="quarter" idx="10"/>
+          </p:nvPr>
+        </p:nvSpPr>
+        <p:spPr/>
+        <p:txBody>
+          <a:bodyPr/>
+          <a:lstStyle/>
+          <a:p>
+            <a:fld id="{E1E995E0-BBA4-4FF8-BE7C-F52080AA0B2C}" type="slidenum">
+              <a:rPr lang="en-US" smtClean="0"/>
+              <a:t>8</a:t>
+            </a:fld>
+            <a:endParaRPr lang="en-US"/>
+          </a:p>
+        </p:txBody>
+      </p:sp>
+    </p:spTree>
+    <p:extLst>
+      <p:ext uri="{BB962C8B-B14F-4D97-AF65-F5344CB8AC3E}">
+        <p14:creationId xmlns:p14="http://schemas.microsoft.com/office/powerpoint/2010/main" val="3998222959"/>
+      </p:ext>
+    </p:extLst>
+  </p:cSld>
+  <p:clrMapOvr>
+    <a:masterClrMapping/>
+  </p:clrMapOvr>
+</p:notes>
 </file>
 
 <file path=ppt/slideLayouts/slideLayout1.xml><?xml version="1.0" encoding="utf-8"?>
@@ -3513,6 +3951,18 @@
   <p:clrMapOvr>
     <a:masterClrMapping/>
   </p:clrMapOvr>
+  <mc:AlternateContent xmlns:mc="http://schemas.openxmlformats.org/markup-compatibility/2006">
+    <mc:Choice xmlns:p14="http://schemas.microsoft.com/office/powerpoint/2010/main" Requires="p14">
+      <p:transition spd="med" p14:dur="700">
+        <p:fade/>
+      </p:transition>
+    </mc:Choice>
+    <mc:Fallback>
+      <p:transition spd="med">
+        <p:fade/>
+      </p:transition>
+    </mc:Fallback>
+  </mc:AlternateContent>
   <p:timing>
     <p:tnLst>
       <p:par>
@@ -3550,7 +4000,12 @@
             <p:ph type="title"/>
           </p:nvPr>
         </p:nvSpPr>
-        <p:spPr/>
+        <p:spPr>
+          <a:xfrm>
+            <a:off x="946404" y="365760"/>
+            <a:ext cx="7269480" cy="748665"/>
+          </a:xfrm>
+        </p:spPr>
         <p:txBody>
           <a:bodyPr/>
           <a:lstStyle/>
@@ -3563,21 +4018,169 @@
           </a:p>
         </p:txBody>
       </p:sp>
-      <p:sp>
-        <p:nvSpPr>
-          <p:cNvPr id="3" name="Content Placeholder 2"/>
-          <p:cNvSpPr>
-            <a:spLocks noGrp="1"/>
-          </p:cNvSpPr>
+      <p:pic>
+        <p:nvPicPr>
+          <p:cNvPr id="4" name="Content Placeholder 3"/>
+          <p:cNvPicPr>
+            <a:picLocks noGrp="1" noChangeAspect="1"/>
+          </p:cNvPicPr>
           <p:nvPr>
             <p:ph idx="1"/>
           </p:nvPr>
-        </p:nvSpPr>
-        <p:spPr/>
-        <p:txBody>
-          <a:bodyPr/>
+        </p:nvPicPr>
+        <p:blipFill>
+          <a:blip r:embed="rId2">
+            <a:extLst>
+              <a:ext uri="{28A0092B-C50C-407E-A947-70E740481C1C}">
+                <a14:useLocalDpi xmlns:a14="http://schemas.microsoft.com/office/drawing/2010/main" val="0"/>
+              </a:ext>
+            </a:extLst>
+          </a:blip>
+          <a:stretch>
+            <a:fillRect/>
+          </a:stretch>
+        </p:blipFill>
+        <p:spPr>
+          <a:xfrm>
+            <a:off x="707601" y="1114425"/>
+            <a:ext cx="7160049" cy="5669654"/>
+          </a:xfrm>
+        </p:spPr>
+      </p:pic>
+      <p:sp>
+        <p:nvSpPr>
+          <p:cNvPr id="3" name="Rectangle 2"/>
+          <p:cNvSpPr/>
+          <p:nvPr/>
+        </p:nvSpPr>
+        <p:spPr>
+          <a:xfrm>
+            <a:off x="1581150" y="4743450"/>
+            <a:ext cx="819150" cy="1028700"/>
+          </a:xfrm>
+          <a:prstGeom prst="rect">
+            <a:avLst/>
+          </a:prstGeom>
+          <a:noFill/>
+          <a:ln w="38100">
+            <a:solidFill>
+              <a:srgbClr val="FF0000"/>
+            </a:solidFill>
+          </a:ln>
+        </p:spPr>
+        <p:style>
+          <a:lnRef idx="2">
+            <a:schemeClr val="accent1">
+              <a:shade val="50000"/>
+            </a:schemeClr>
+          </a:lnRef>
+          <a:fillRef idx="1">
+            <a:schemeClr val="accent1"/>
+          </a:fillRef>
+          <a:effectRef idx="0">
+            <a:schemeClr val="accent1"/>
+          </a:effectRef>
+          <a:fontRef idx="minor">
+            <a:schemeClr val="lt1"/>
+          </a:fontRef>
+        </p:style>
+        <p:txBody>
+          <a:bodyPr rtlCol="0" anchor="ctr"/>
           <a:lstStyle/>
           <a:p>
+            <a:pPr algn="ctr"/>
+            <a:endParaRPr lang="en-US"/>
+          </a:p>
+        </p:txBody>
+      </p:sp>
+      <p:sp>
+        <p:nvSpPr>
+          <p:cNvPr id="6" name="Rectangle 5"/>
+          <p:cNvSpPr/>
+          <p:nvPr/>
+        </p:nvSpPr>
+        <p:spPr>
+          <a:xfrm>
+            <a:off x="2619375" y="3848100"/>
+            <a:ext cx="1143000" cy="1924050"/>
+          </a:xfrm>
+          <a:prstGeom prst="rect">
+            <a:avLst/>
+          </a:prstGeom>
+          <a:noFill/>
+          <a:ln w="38100">
+            <a:solidFill>
+              <a:srgbClr val="FF0000"/>
+            </a:solidFill>
+          </a:ln>
+        </p:spPr>
+        <p:style>
+          <a:lnRef idx="2">
+            <a:schemeClr val="accent1">
+              <a:shade val="50000"/>
+            </a:schemeClr>
+          </a:lnRef>
+          <a:fillRef idx="1">
+            <a:schemeClr val="accent1"/>
+          </a:fillRef>
+          <a:effectRef idx="0">
+            <a:schemeClr val="accent1"/>
+          </a:effectRef>
+          <a:fontRef idx="minor">
+            <a:schemeClr val="lt1"/>
+          </a:fontRef>
+        </p:style>
+        <p:txBody>
+          <a:bodyPr rtlCol="0" anchor="ctr"/>
+          <a:lstStyle/>
+          <a:p>
+            <a:pPr algn="ctr"/>
+            <a:endParaRPr lang="en-US"/>
+          </a:p>
+        </p:txBody>
+      </p:sp>
+      <p:sp>
+        <p:nvSpPr>
+          <p:cNvPr id="7" name="Rectangle 6"/>
+          <p:cNvSpPr/>
+          <p:nvPr/>
+        </p:nvSpPr>
+        <p:spPr>
+          <a:xfrm>
+            <a:off x="4210050" y="4038600"/>
+            <a:ext cx="1143000" cy="1924050"/>
+          </a:xfrm>
+          <a:prstGeom prst="rect">
+            <a:avLst/>
+          </a:prstGeom>
+          <a:noFill/>
+          <a:ln w="38100">
+            <a:solidFill>
+              <a:srgbClr val="FF0000"/>
+            </a:solidFill>
+          </a:ln>
+        </p:spPr>
+        <p:style>
+          <a:lnRef idx="2">
+            <a:schemeClr val="accent1">
+              <a:shade val="50000"/>
+            </a:schemeClr>
+          </a:lnRef>
+          <a:fillRef idx="1">
+            <a:schemeClr val="accent1"/>
+          </a:fillRef>
+          <a:effectRef idx="0">
+            <a:schemeClr val="accent1"/>
+          </a:effectRef>
+          <a:fontRef idx="minor">
+            <a:schemeClr val="lt1"/>
+          </a:fontRef>
+        </p:style>
+        <p:txBody>
+          <a:bodyPr rtlCol="0" anchor="ctr"/>
+          <a:lstStyle/>
+          <a:p>
+            <a:pPr algn="ctr"/>
             <a:endParaRPr lang="en-US"/>
           </a:p>
         </p:txBody>
@@ -3585,19 +4188,236 @@
     </p:spTree>
     <p:extLst>
       <p:ext uri="{BB962C8B-B14F-4D97-AF65-F5344CB8AC3E}">
-        <p14:creationId xmlns:p14="http://schemas.microsoft.com/office/powerpoint/2010/main" val="1619695952"/>
+        <p14:creationId xmlns:p14="http://schemas.microsoft.com/office/powerpoint/2010/main" val="3386062992"/>
       </p:ext>
     </p:extLst>
   </p:cSld>
   <p:clrMapOvr>
     <a:masterClrMapping/>
   </p:clrMapOvr>
+  <mc:AlternateContent xmlns:mc="http://schemas.openxmlformats.org/markup-compatibility/2006">
+    <mc:Choice xmlns:p14="http://schemas.microsoft.com/office/powerpoint/2010/main" Requires="p14">
+      <p:transition spd="med" p14:dur="700">
+        <p:fade/>
+      </p:transition>
+    </mc:Choice>
+    <mc:Fallback>
+      <p:transition spd="med">
+        <p:fade/>
+      </p:transition>
+    </mc:Fallback>
+  </mc:AlternateContent>
   <p:timing>
     <p:tnLst>
       <p:par>
-        <p:cTn id="1" dur="indefinite" restart="never" nodeType="tmRoot"/>
+        <p:cTn id="1" dur="indefinite" restart="never" nodeType="tmRoot">
+          <p:childTnLst>
+            <p:seq concurrent="1" nextAc="seek">
+              <p:cTn id="2" dur="indefinite" nodeType="mainSeq">
+                <p:childTnLst>
+                  <p:par>
+                    <p:cTn id="3" fill="hold">
+                      <p:stCondLst>
+                        <p:cond delay="indefinite"/>
+                      </p:stCondLst>
+                      <p:childTnLst>
+                        <p:par>
+                          <p:cTn id="4" fill="hold">
+                            <p:stCondLst>
+                              <p:cond delay="0"/>
+                            </p:stCondLst>
+                            <p:childTnLst>
+                              <p:par>
+                                <p:cTn id="5" presetID="10" presetClass="entr" presetSubtype="0" fill="hold" grpId="0" nodeType="clickEffect">
+                                  <p:stCondLst>
+                                    <p:cond delay="0"/>
+                                  </p:stCondLst>
+                                  <p:childTnLst>
+                                    <p:set>
+                                      <p:cBhvr>
+                                        <p:cTn id="6" dur="1" fill="hold">
+                                          <p:stCondLst>
+                                            <p:cond delay="0"/>
+                                          </p:stCondLst>
+                                        </p:cTn>
+                                        <p:tgtEl>
+                                          <p:spTgt spid="3"/>
+                                        </p:tgtEl>
+                                        <p:attrNameLst>
+                                          <p:attrName>style.visibility</p:attrName>
+                                        </p:attrNameLst>
+                                      </p:cBhvr>
+                                      <p:to>
+                                        <p:strVal val="visible"/>
+                                      </p:to>
+                                    </p:set>
+                                    <p:animEffect transition="in" filter="fade">
+                                      <p:cBhvr>
+                                        <p:cTn id="7" dur="500"/>
+                                        <p:tgtEl>
+                                          <p:spTgt spid="3"/>
+                                        </p:tgtEl>
+                                      </p:cBhvr>
+                                    </p:animEffect>
+                                  </p:childTnLst>
+                                </p:cTn>
+                              </p:par>
+                            </p:childTnLst>
+                          </p:cTn>
+                        </p:par>
+                      </p:childTnLst>
+                    </p:cTn>
+                  </p:par>
+                  <p:par>
+                    <p:cTn id="8" fill="hold">
+                      <p:stCondLst>
+                        <p:cond delay="indefinite"/>
+                      </p:stCondLst>
+                      <p:childTnLst>
+                        <p:par>
+                          <p:cTn id="9" fill="hold">
+                            <p:stCondLst>
+                              <p:cond delay="0"/>
+                            </p:stCondLst>
+                            <p:childTnLst>
+                              <p:par>
+                                <p:cTn id="10" presetID="10" presetClass="exit" presetSubtype="0" fill="hold" grpId="1" nodeType="clickEffect">
+                                  <p:stCondLst>
+                                    <p:cond delay="0"/>
+                                  </p:stCondLst>
+                                  <p:childTnLst>
+                                    <p:animEffect transition="out" filter="fade">
+                                      <p:cBhvr>
+                                        <p:cTn id="11" dur="500"/>
+                                        <p:tgtEl>
+                                          <p:spTgt spid="3"/>
+                                        </p:tgtEl>
+                                      </p:cBhvr>
+                                    </p:animEffect>
+                                    <p:set>
+                                      <p:cBhvr>
+                                        <p:cTn id="12" dur="1" fill="hold">
+                                          <p:stCondLst>
+                                            <p:cond delay="499"/>
+                                          </p:stCondLst>
+                                        </p:cTn>
+                                        <p:tgtEl>
+                                          <p:spTgt spid="3"/>
+                                        </p:tgtEl>
+                                        <p:attrNameLst>
+                                          <p:attrName>style.visibility</p:attrName>
+                                        </p:attrNameLst>
+                                      </p:cBhvr>
+                                      <p:to>
+                                        <p:strVal val="hidden"/>
+                                      </p:to>
+                                    </p:set>
+                                  </p:childTnLst>
+                                </p:cTn>
+                              </p:par>
+                              <p:par>
+                                <p:cTn id="13" presetID="10" presetClass="entr" presetSubtype="0" fill="hold" grpId="0" nodeType="withEffect">
+                                  <p:stCondLst>
+                                    <p:cond delay="0"/>
+                                  </p:stCondLst>
+                                  <p:childTnLst>
+                                    <p:set>
+                                      <p:cBhvr>
+                                        <p:cTn id="14" dur="1" fill="hold">
+                                          <p:stCondLst>
+                                            <p:cond delay="0"/>
+                                          </p:stCondLst>
+                                        </p:cTn>
+                                        <p:tgtEl>
+                                          <p:spTgt spid="6"/>
+                                        </p:tgtEl>
+                                        <p:attrNameLst>
+                                          <p:attrName>style.visibility</p:attrName>
+                                        </p:attrNameLst>
+                                      </p:cBhvr>
+                                      <p:to>
+                                        <p:strVal val="visible"/>
+                                      </p:to>
+                                    </p:set>
+                                    <p:animEffect transition="in" filter="fade">
+                                      <p:cBhvr>
+                                        <p:cTn id="15" dur="500"/>
+                                        <p:tgtEl>
+                                          <p:spTgt spid="6"/>
+                                        </p:tgtEl>
+                                      </p:cBhvr>
+                                    </p:animEffect>
+                                  </p:childTnLst>
+                                </p:cTn>
+                              </p:par>
+                              <p:par>
+                                <p:cTn id="16" presetID="10" presetClass="entr" presetSubtype="0" fill="hold" grpId="0" nodeType="withEffect">
+                                  <p:stCondLst>
+                                    <p:cond delay="0"/>
+                                  </p:stCondLst>
+                                  <p:childTnLst>
+                                    <p:set>
+                                      <p:cBhvr>
+                                        <p:cTn id="17" dur="1" fill="hold">
+                                          <p:stCondLst>
+                                            <p:cond delay="0"/>
+                                          </p:stCondLst>
+                                        </p:cTn>
+                                        <p:tgtEl>
+                                          <p:spTgt spid="7"/>
+                                        </p:tgtEl>
+                                        <p:attrNameLst>
+                                          <p:attrName>style.visibility</p:attrName>
+                                        </p:attrNameLst>
+                                      </p:cBhvr>
+                                      <p:to>
+                                        <p:strVal val="visible"/>
+                                      </p:to>
+                                    </p:set>
+                                    <p:animEffect transition="in" filter="fade">
+                                      <p:cBhvr>
+                                        <p:cTn id="18" dur="500"/>
+                                        <p:tgtEl>
+                                          <p:spTgt spid="7"/>
+                                        </p:tgtEl>
+                                      </p:cBhvr>
+                                    </p:animEffect>
+                                  </p:childTnLst>
+                                </p:cTn>
+                              </p:par>
+                            </p:childTnLst>
+                          </p:cTn>
+                        </p:par>
+                      </p:childTnLst>
+                    </p:cTn>
+                  </p:par>
+                </p:childTnLst>
+              </p:cTn>
+              <p:prevCondLst>
+                <p:cond evt="onPrev" delay="0">
+                  <p:tgtEl>
+                    <p:sldTgt/>
+                  </p:tgtEl>
+                </p:cond>
+              </p:prevCondLst>
+              <p:nextCondLst>
+                <p:cond evt="onNext" delay="0">
+                  <p:tgtEl>
+                    <p:sldTgt/>
+                  </p:tgtEl>
+                </p:cond>
+              </p:nextCondLst>
+            </p:seq>
+          </p:childTnLst>
+        </p:cTn>
       </p:par>
     </p:tnLst>
+    <p:bldLst>
+      <p:bldP spid="3" grpId="0" animBg="1"/>
+      <p:bldP spid="3" grpId="1" animBg="1"/>
+      <p:bldP spid="6" grpId="0" animBg="1"/>
+      <p:bldP spid="7" grpId="0" animBg="1"/>
+    </p:bldLst>
   </p:timing>
 </p:sld>
 </file>
@@ -3629,7 +4449,12 @@
             <p:ph type="title"/>
           </p:nvPr>
         </p:nvSpPr>
-        <p:spPr/>
+        <p:spPr>
+          <a:xfrm>
+            <a:off x="946404" y="-662781"/>
+            <a:ext cx="7269480" cy="1325562"/>
+          </a:xfrm>
+        </p:spPr>
         <p:txBody>
           <a:bodyPr/>
           <a:lstStyle/>
@@ -3657,10 +4482,33 @@
           <a:bodyPr/>
           <a:lstStyle/>
           <a:p>
-            <a:endParaRPr lang="en-US"/>
-          </a:p>
-        </p:txBody>
-      </p:sp>
+            <a:endParaRPr lang="en-US" dirty="0"/>
+          </a:p>
+        </p:txBody>
+      </p:sp>
+      <p:pic>
+        <p:nvPicPr>
+          <p:cNvPr id="5" name="Picture 4"/>
+          <p:cNvPicPr>
+            <a:picLocks noChangeAspect="1"/>
+          </p:cNvPicPr>
+          <p:nvPr/>
+        </p:nvPicPr>
+        <p:blipFill rotWithShape="1">
+          <a:blip r:embed="rId2"/>
+          <a:srcRect l="50066" t="9263" r="38158" b="26527"/>
+          <a:stretch/>
+        </p:blipFill>
+        <p:spPr>
+          <a:xfrm>
+            <a:off x="946404" y="672109"/>
+            <a:ext cx="3630409" cy="6185891"/>
+          </a:xfrm>
+          <a:prstGeom prst="rect">
+            <a:avLst/>
+          </a:prstGeom>
+        </p:spPr>
+      </p:pic>
     </p:spTree>
     <p:extLst>
       <p:ext uri="{BB962C8B-B14F-4D97-AF65-F5344CB8AC3E}">
@@ -3671,6 +4519,18 @@
   <p:clrMapOvr>
     <a:masterClrMapping/>
   </p:clrMapOvr>
+  <mc:AlternateContent xmlns:mc="http://schemas.openxmlformats.org/markup-compatibility/2006">
+    <mc:Choice xmlns:p14="http://schemas.microsoft.com/office/powerpoint/2010/main" Requires="p14">
+      <p:transition spd="med" p14:dur="700">
+        <p:fade/>
+      </p:transition>
+    </mc:Choice>
+    <mc:Fallback>
+      <p:transition spd="med">
+        <p:fade/>
+      </p:transition>
+    </mc:Fallback>
+  </mc:AlternateContent>
   <p:timing>
     <p:tnLst>
       <p:par>
@@ -3708,16 +4568,20 @@
             <p:ph type="title"/>
           </p:nvPr>
         </p:nvSpPr>
-        <p:spPr/>
+        <p:spPr>
+          <a:xfrm>
+            <a:off x="813054" y="0"/>
+            <a:ext cx="7269480" cy="1325562"/>
+          </a:xfrm>
+        </p:spPr>
         <p:txBody>
           <a:bodyPr/>
           <a:lstStyle/>
           <a:p>
             <a:r>
-              <a:rPr lang="en-US" dirty="0" smtClean="0"/>
-              <a:t>Demo</a:t>
-            </a:r>
-            <a:endParaRPr lang="en-US" dirty="0"/>
+              <a:rPr lang="en-US" dirty="0"/>
+              <a:t>Software Implementation</a:t>
+            </a:r>
           </a:p>
         </p:txBody>
       </p:sp>
@@ -3736,20 +4600,55 @@
           <a:bodyPr/>
           <a:lstStyle/>
           <a:p>
-            <a:endParaRPr lang="en-US"/>
-          </a:p>
-        </p:txBody>
-      </p:sp>
+            <a:endParaRPr lang="en-US" dirty="0"/>
+          </a:p>
+        </p:txBody>
+      </p:sp>
+      <p:pic>
+        <p:nvPicPr>
+          <p:cNvPr id="4" name="Picture 3"/>
+          <p:cNvPicPr>
+            <a:picLocks noChangeAspect="1"/>
+          </p:cNvPicPr>
+          <p:nvPr/>
+        </p:nvPicPr>
+        <p:blipFill rotWithShape="1">
+          <a:blip r:embed="rId2"/>
+          <a:srcRect l="50066" t="61263" r="34868" b="12700"/>
+          <a:stretch/>
+        </p:blipFill>
+        <p:spPr>
+          <a:xfrm>
+            <a:off x="946404" y="1691323"/>
+            <a:ext cx="5510464" cy="2975928"/>
+          </a:xfrm>
+          <a:prstGeom prst="rect">
+            <a:avLst/>
+          </a:prstGeom>
+        </p:spPr>
+      </p:pic>
     </p:spTree>
     <p:extLst>
       <p:ext uri="{BB962C8B-B14F-4D97-AF65-F5344CB8AC3E}">
-        <p14:creationId xmlns:p14="http://schemas.microsoft.com/office/powerpoint/2010/main" val="2845965683"/>
+        <p14:creationId xmlns:p14="http://schemas.microsoft.com/office/powerpoint/2010/main" val="2398610416"/>
       </p:ext>
     </p:extLst>
   </p:cSld>
   <p:clrMapOvr>
     <a:masterClrMapping/>
   </p:clrMapOvr>
+  <mc:AlternateContent xmlns:mc="http://schemas.openxmlformats.org/markup-compatibility/2006">
+    <mc:Choice xmlns:p14="http://schemas.microsoft.com/office/powerpoint/2010/main" Requires="p14">
+      <p:transition spd="med" p14:dur="700">
+        <p:fade/>
+      </p:transition>
+    </mc:Choice>
+    <mc:Fallback>
+      <p:transition spd="med">
+        <p:fade/>
+      </p:transition>
+    </mc:Fallback>
+  </mc:AlternateContent>
   <p:timing>
     <p:tnLst>
       <p:par>
@@ -3794,7 +4693,7 @@
           <a:p>
             <a:r>
               <a:rPr lang="en-US" dirty="0" smtClean="0"/>
-              <a:t>Questions?</a:t>
+              <a:t>Demo</a:t>
             </a:r>
             <a:endParaRPr lang="en-US" dirty="0"/>
           </a:p>
@@ -3815,7 +4714,107 @@
           <a:bodyPr/>
           <a:lstStyle/>
           <a:p>
-            <a:endParaRPr lang="en-US"/>
+            <a:endParaRPr lang="en-US" dirty="0"/>
+          </a:p>
+        </p:txBody>
+      </p:sp>
+    </p:spTree>
+    <p:extLst>
+      <p:ext uri="{BB962C8B-B14F-4D97-AF65-F5344CB8AC3E}">
+        <p14:creationId xmlns:p14="http://schemas.microsoft.com/office/powerpoint/2010/main" val="2845965683"/>
+      </p:ext>
+    </p:extLst>
+  </p:cSld>
+  <p:clrMapOvr>
+    <a:masterClrMapping/>
+  </p:clrMapOvr>
+  <mc:AlternateContent xmlns:mc="http://schemas.openxmlformats.org/markup-compatibility/2006">
+    <mc:Choice xmlns:p14="http://schemas.microsoft.com/office/powerpoint/2010/main" Requires="p14">
+      <p:transition spd="med" p14:dur="700">
+        <p:fade/>
+      </p:transition>
+    </mc:Choice>
+    <mc:Fallback>
+      <p:transition spd="med">
+        <p:fade/>
+      </p:transition>
+    </mc:Fallback>
+  </mc:AlternateContent>
+  <p:timing>
+    <p:tnLst>
+      <p:par>
+        <p:cTn id="1" dur="indefinite" restart="never" nodeType="tmRoot"/>
+      </p:par>
+    </p:tnLst>
+  </p:timing>
+</p:sld>
+</file>
+
+<file path=ppt/slides/slide14.xml><?xml version="1.0" encoding="utf-8"?>
+<p:sld xmlns:a="http://schemas.openxmlformats.org/drawingml/2006/main" xmlns:r="http://schemas.openxmlformats.org/officeDocument/2006/relationships" xmlns:p="http://schemas.openxmlformats.org/presentationml/2006/main">
+  <p:cSld>
+    <p:spTree>
+      <p:nvGrpSpPr>
+        <p:cNvPr id="1" name=""/>
+        <p:cNvGrpSpPr/>
+        <p:nvPr/>
+      </p:nvGrpSpPr>
+      <p:grpSpPr>
+        <a:xfrm>
+          <a:off x="0" y="0"/>
+          <a:ext cx="0" cy="0"/>
+          <a:chOff x="0" y="0"/>
+          <a:chExt cx="0" cy="0"/>
+        </a:xfrm>
+      </p:grpSpPr>
+      <p:sp>
+        <p:nvSpPr>
+          <p:cNvPr id="2" name="Title 1"/>
+          <p:cNvSpPr>
+            <a:spLocks noGrp="1"/>
+          </p:cNvSpPr>
+          <p:nvPr>
+            <p:ph type="title"/>
+          </p:nvPr>
+        </p:nvSpPr>
+        <p:spPr/>
+        <p:txBody>
+          <a:bodyPr/>
+          <a:lstStyle/>
+          <a:p>
+            <a:r>
+              <a:rPr lang="en-US" dirty="0" smtClean="0"/>
+              <a:t>Questions</a:t>
+            </a:r>
+            <a:r>
+              <a:rPr lang="en-US" dirty="0" smtClean="0"/>
+              <a:t>?</a:t>
+            </a:r>
+            <a:endParaRPr lang="en-US" dirty="0"/>
+          </a:p>
+        </p:txBody>
+      </p:sp>
+      <p:sp>
+        <p:nvSpPr>
+          <p:cNvPr id="3" name="Content Placeholder 2"/>
+          <p:cNvSpPr>
+            <a:spLocks noGrp="1"/>
+          </p:cNvSpPr>
+          <p:nvPr>
+            <p:ph idx="1"/>
+          </p:nvPr>
+        </p:nvSpPr>
+        <p:spPr/>
+        <p:txBody>
+          <a:bodyPr>
+            <a:normAutofit/>
+          </a:bodyPr>
+          <a:lstStyle/>
+          <a:p>
+            <a:pPr marL="0" indent="0">
+              <a:buNone/>
+            </a:pPr>
+            <a:endParaRPr lang="en-US" sz="9600" dirty="0"/>
           </a:p>
         </p:txBody>
       </p:sp>
@@ -3829,6 +4828,18 @@
   <p:clrMapOvr>
     <a:masterClrMapping/>
   </p:clrMapOvr>
+  <mc:AlternateContent xmlns:mc="http://schemas.openxmlformats.org/markup-compatibility/2006">
+    <mc:Choice xmlns:p14="http://schemas.microsoft.com/office/powerpoint/2010/main" Requires="p14">
+      <p:transition spd="med" p14:dur="700">
+        <p:fade/>
+      </p:transition>
+    </mc:Choice>
+    <mc:Fallback>
+      <p:transition spd="med">
+        <p:fade/>
+      </p:transition>
+    </mc:Fallback>
+  </mc:AlternateContent>
   <p:timing>
     <p:tnLst>
       <p:par>
@@ -3873,7 +4884,7 @@
           <a:p>
             <a:r>
               <a:rPr lang="en-US" dirty="0" smtClean="0"/>
-              <a:t>Description</a:t>
+              <a:t>What is a wah pedal?</a:t>
             </a:r>
             <a:endParaRPr lang="en-US" dirty="0"/>
           </a:p>
@@ -3881,12 +4892,12 @@
       </p:sp>
       <p:sp>
         <p:nvSpPr>
-          <p:cNvPr id="3" name="Content Placeholder 2"/>
-          <p:cNvSpPr>
-            <a:spLocks noGrp="1"/>
-          </p:cNvSpPr>
-          <p:nvPr>
-            <p:ph idx="1"/>
+          <p:cNvPr id="4" name="Content Placeholder 3"/>
+          <p:cNvSpPr>
+            <a:spLocks noGrp="1"/>
+          </p:cNvSpPr>
+          <p:nvPr>
+            <p:ph sz="half" idx="1"/>
           </p:nvPr>
         </p:nvSpPr>
         <p:spPr/>
@@ -3894,24 +4905,260 @@
           <a:bodyPr/>
           <a:lstStyle/>
           <a:p>
+            <a:r>
+              <a:rPr lang="en-US" dirty="0" smtClean="0"/>
+              <a:t>Electrical guitar effects pedal</a:t>
+            </a:r>
+          </a:p>
+          <a:p>
+            <a:r>
+              <a:rPr lang="en-US" dirty="0"/>
+              <a:t>Name is an onomatopoeia, “wah-wah”</a:t>
+            </a:r>
+          </a:p>
+          <a:p>
+            <a:pPr lvl="1"/>
+            <a:r>
+              <a:rPr lang="en-US" dirty="0"/>
+              <a:t>Mimics the human </a:t>
+            </a:r>
+            <a:r>
+              <a:rPr lang="en-US" dirty="0" smtClean="0"/>
+              <a:t>voice</a:t>
+            </a:r>
+          </a:p>
+          <a:p>
+            <a:r>
+              <a:rPr lang="en-US" dirty="0" smtClean="0"/>
+              <a:t>Moving pedal sweeps the cutoff frequency of a filter applied to input signal</a:t>
+            </a:r>
+          </a:p>
+          <a:p>
             <a:endParaRPr lang="en-US" dirty="0"/>
           </a:p>
         </p:txBody>
       </p:sp>
+      <p:pic>
+        <p:nvPicPr>
+          <p:cNvPr id="1026" name="Picture 2" descr="https://piercequinn.files.wordpress.com/2013/05/gcb-95f-classic1.jpg"/>
+          <p:cNvPicPr>
+            <a:picLocks noGrp="1" noChangeAspect="1" noChangeArrowheads="1"/>
+          </p:cNvPicPr>
+          <p:nvPr>
+            <p:ph sz="half" idx="2"/>
+          </p:nvPr>
+        </p:nvPicPr>
+        <p:blipFill>
+          <a:blip r:embed="rId2" cstate="print">
+            <a:extLst>
+              <a:ext uri="{28A0092B-C50C-407E-A947-70E740481C1C}">
+                <a14:useLocalDpi xmlns:a14="http://schemas.microsoft.com/office/drawing/2010/main" val="0"/>
+              </a:ext>
+            </a:extLst>
+          </a:blip>
+          <a:srcRect/>
+          <a:stretch>
+            <a:fillRect/>
+          </a:stretch>
+        </p:blipFill>
+        <p:spPr bwMode="auto">
+          <a:xfrm>
+            <a:off x="4594225" y="2324100"/>
+            <a:ext cx="3360738" cy="3360738"/>
+          </a:xfrm>
+          <a:prstGeom prst="rect">
+            <a:avLst/>
+          </a:prstGeom>
+          <a:noFill/>
+          <a:extLst>
+            <a:ext uri="{909E8E84-426E-40DD-AFC4-6F175D3DCCD1}">
+              <a14:hiddenFill xmlns:a14="http://schemas.microsoft.com/office/drawing/2010/main">
+                <a:solidFill>
+                  <a:srgbClr val="FFFFFF"/>
+                </a:solidFill>
+              </a14:hiddenFill>
+            </a:ext>
+          </a:extLst>
+        </p:spPr>
+      </p:pic>
+      <p:pic>
+        <p:nvPicPr>
+          <p:cNvPr id="1030" name="Picture 6" descr="http://www.geofex.com/article_folders/wahpedl/wah6.gif"/>
+          <p:cNvPicPr>
+            <a:picLocks noChangeAspect="1" noChangeArrowheads="1"/>
+          </p:cNvPicPr>
+          <p:nvPr/>
+        </p:nvPicPr>
+        <p:blipFill>
+          <a:blip r:embed="rId3">
+            <a:extLst>
+              <a:ext uri="{28A0092B-C50C-407E-A947-70E740481C1C}">
+                <a14:useLocalDpi xmlns:a14="http://schemas.microsoft.com/office/drawing/2010/main" val="0"/>
+              </a:ext>
+            </a:extLst>
+          </a:blip>
+          <a:srcRect/>
+          <a:stretch>
+            <a:fillRect/>
+          </a:stretch>
+        </p:blipFill>
+        <p:spPr bwMode="auto">
+          <a:xfrm>
+            <a:off x="4210050" y="2495551"/>
+            <a:ext cx="4005834" cy="2777051"/>
+          </a:xfrm>
+          <a:prstGeom prst="rect">
+            <a:avLst/>
+          </a:prstGeom>
+          <a:noFill/>
+          <a:extLst>
+            <a:ext uri="{909E8E84-426E-40DD-AFC4-6F175D3DCCD1}">
+              <a14:hiddenFill xmlns:a14="http://schemas.microsoft.com/office/drawing/2010/main">
+                <a:solidFill>
+                  <a:srgbClr val="FFFFFF"/>
+                </a:solidFill>
+              </a14:hiddenFill>
+            </a:ext>
+          </a:extLst>
+        </p:spPr>
+      </p:pic>
     </p:spTree>
     <p:extLst>
       <p:ext uri="{BB962C8B-B14F-4D97-AF65-F5344CB8AC3E}">
-        <p14:creationId xmlns:p14="http://schemas.microsoft.com/office/powerpoint/2010/main" val="4243326949"/>
+        <p14:creationId xmlns:p14="http://schemas.microsoft.com/office/powerpoint/2010/main" val="1158688417"/>
       </p:ext>
     </p:extLst>
   </p:cSld>
   <p:clrMapOvr>
     <a:masterClrMapping/>
   </p:clrMapOvr>
+  <mc:AlternateContent xmlns:mc="http://schemas.openxmlformats.org/markup-compatibility/2006">
+    <mc:Choice xmlns:p14="http://schemas.microsoft.com/office/powerpoint/2010/main" Requires="p14">
+      <p:transition spd="med" p14:dur="700">
+        <p:fade/>
+      </p:transition>
+    </mc:Choice>
+    <mc:Fallback>
+      <p:transition spd="med">
+        <p:fade/>
+      </p:transition>
+    </mc:Fallback>
+  </mc:AlternateContent>
   <p:timing>
     <p:tnLst>
       <p:par>
-        <p:cTn id="1" dur="indefinite" restart="never" nodeType="tmRoot"/>
+        <p:cTn id="1" dur="indefinite" restart="never" nodeType="tmRoot">
+          <p:childTnLst>
+            <p:seq concurrent="1" nextAc="seek">
+              <p:cTn id="2" dur="indefinite" nodeType="mainSeq">
+                <p:childTnLst>
+                  <p:par>
+                    <p:cTn id="3" fill="hold">
+                      <p:stCondLst>
+                        <p:cond delay="indefinite"/>
+                      </p:stCondLst>
+                      <p:childTnLst>
+                        <p:par>
+                          <p:cTn id="4" fill="hold">
+                            <p:stCondLst>
+                              <p:cond delay="0"/>
+                            </p:stCondLst>
+                            <p:childTnLst>
+                              <p:par>
+                                <p:cTn id="5" presetID="10" presetClass="exit" presetSubtype="0" fill="hold" nodeType="clickEffect">
+                                  <p:stCondLst>
+                                    <p:cond delay="0"/>
+                                  </p:stCondLst>
+                                  <p:childTnLst>
+                                    <p:animEffect transition="out" filter="fade">
+                                      <p:cBhvr>
+                                        <p:cTn id="6" dur="500"/>
+                                        <p:tgtEl>
+                                          <p:spTgt spid="1026"/>
+                                        </p:tgtEl>
+                                      </p:cBhvr>
+                                    </p:animEffect>
+                                    <p:set>
+                                      <p:cBhvr>
+                                        <p:cTn id="7" dur="1" fill="hold">
+                                          <p:stCondLst>
+                                            <p:cond delay="499"/>
+                                          </p:stCondLst>
+                                        </p:cTn>
+                                        <p:tgtEl>
+                                          <p:spTgt spid="1026"/>
+                                        </p:tgtEl>
+                                        <p:attrNameLst>
+                                          <p:attrName>style.visibility</p:attrName>
+                                        </p:attrNameLst>
+                                      </p:cBhvr>
+                                      <p:to>
+                                        <p:strVal val="hidden"/>
+                                      </p:to>
+                                    </p:set>
+                                  </p:childTnLst>
+                                </p:cTn>
+                              </p:par>
+                              <p:par>
+                                <p:cTn id="8" presetID="10" presetClass="entr" presetSubtype="0" fill="hold" nodeType="withEffect">
+                                  <p:stCondLst>
+                                    <p:cond delay="0"/>
+                                  </p:stCondLst>
+                                  <p:childTnLst>
+                                    <p:set>
+                                      <p:cBhvr>
+                                        <p:cTn id="9" dur="1" fill="hold">
+                                          <p:stCondLst>
+                                            <p:cond delay="0"/>
+                                          </p:stCondLst>
+                                        </p:cTn>
+                                        <p:tgtEl>
+                                          <p:spTgt spid="1030"/>
+                                        </p:tgtEl>
+                                        <p:attrNameLst>
+                                          <p:attrName>style.visibility</p:attrName>
+                                        </p:attrNameLst>
+                                      </p:cBhvr>
+                                      <p:to>
+                                        <p:strVal val="visible"/>
+                                      </p:to>
+                                    </p:set>
+                                    <p:animEffect transition="in" filter="fade">
+                                      <p:cBhvr>
+                                        <p:cTn id="10" dur="500"/>
+                                        <p:tgtEl>
+                                          <p:spTgt spid="1030"/>
+                                        </p:tgtEl>
+                                      </p:cBhvr>
+                                    </p:animEffect>
+                                  </p:childTnLst>
+                                </p:cTn>
+                              </p:par>
+                            </p:childTnLst>
+                          </p:cTn>
+                        </p:par>
+                      </p:childTnLst>
+                    </p:cTn>
+                  </p:par>
+                </p:childTnLst>
+              </p:cTn>
+              <p:prevCondLst>
+                <p:cond evt="onPrev" delay="0">
+                  <p:tgtEl>
+                    <p:sldTgt/>
+                  </p:tgtEl>
+                </p:cond>
+              </p:prevCondLst>
+              <p:nextCondLst>
+                <p:cond evt="onNext" delay="0">
+                  <p:tgtEl>
+                    <p:sldTgt/>
+                  </p:tgtEl>
+                </p:cond>
+              </p:nextCondLst>
+            </p:seq>
+          </p:childTnLst>
+        </p:cTn>
       </p:par>
     </p:tnLst>
   </p:timing>
@@ -3960,12 +5207,12 @@
       </p:sp>
       <p:sp>
         <p:nvSpPr>
-          <p:cNvPr id="3" name="Content Placeholder 2"/>
-          <p:cNvSpPr>
-            <a:spLocks noGrp="1"/>
-          </p:cNvSpPr>
-          <p:nvPr>
-            <p:ph idx="1"/>
+          <p:cNvPr id="4" name="Content Placeholder 3"/>
+          <p:cNvSpPr>
+            <a:spLocks noGrp="1"/>
+          </p:cNvSpPr>
+          <p:nvPr>
+            <p:ph sz="half" idx="1"/>
           </p:nvPr>
         </p:nvSpPr>
         <p:spPr/>
@@ -3973,10 +5220,255 @@
           <a:bodyPr/>
           <a:lstStyle/>
           <a:p>
+            <a:r>
+              <a:rPr lang="en-US" dirty="0" smtClean="0"/>
+              <a:t>Use a microcontroller to make a </a:t>
+            </a:r>
+            <a:r>
+              <a:rPr lang="en-US" dirty="0" err="1" smtClean="0"/>
+              <a:t>wah</a:t>
+            </a:r>
+            <a:r>
+              <a:rPr lang="en-US" dirty="0" smtClean="0"/>
+              <a:t> pedal</a:t>
+            </a:r>
+          </a:p>
+          <a:p>
+            <a:r>
+              <a:rPr lang="en-US" dirty="0" smtClean="0"/>
+              <a:t>Control cutoff frequency with the </a:t>
+            </a:r>
+            <a:r>
+              <a:rPr lang="en-US" dirty="0" err="1" smtClean="0"/>
+              <a:t>wah</a:t>
+            </a:r>
+            <a:r>
+              <a:rPr lang="en-US" dirty="0" smtClean="0"/>
+              <a:t> pedal’s potentiometer</a:t>
+            </a:r>
+          </a:p>
+          <a:p>
+            <a:r>
+              <a:rPr lang="en-US" dirty="0" smtClean="0"/>
+              <a:t>Learn about digital audio processing</a:t>
+            </a:r>
+          </a:p>
+          <a:p>
+            <a:r>
+              <a:rPr lang="en-US" dirty="0" smtClean="0"/>
+              <a:t>Make interesting sounds</a:t>
+            </a:r>
             <a:endParaRPr lang="en-US" dirty="0"/>
           </a:p>
         </p:txBody>
       </p:sp>
+      <p:pic>
+        <p:nvPicPr>
+          <p:cNvPr id="1026" name="Picture 2" descr="https://blog.adafruit.com/wp-content/uploads/2009/10/teensy-lrg.jpg"/>
+          <p:cNvPicPr>
+            <a:picLocks noGrp="1" noChangeAspect="1" noChangeArrowheads="1"/>
+          </p:cNvPicPr>
+          <p:nvPr>
+            <p:ph sz="half" idx="2"/>
+          </p:nvPr>
+        </p:nvPicPr>
+        <p:blipFill>
+          <a:blip r:embed="rId2">
+            <a:extLst>
+              <a:ext uri="{28A0092B-C50C-407E-A947-70E740481C1C}">
+                <a14:useLocalDpi xmlns:a14="http://schemas.microsoft.com/office/drawing/2010/main" val="0"/>
+              </a:ext>
+            </a:extLst>
+          </a:blip>
+          <a:srcRect/>
+          <a:stretch>
+            <a:fillRect/>
+          </a:stretch>
+        </p:blipFill>
+        <p:spPr bwMode="auto">
+          <a:xfrm>
+            <a:off x="4306824" y="280819"/>
+            <a:ext cx="3360738" cy="2523608"/>
+          </a:xfrm>
+          <a:prstGeom prst="rect">
+            <a:avLst/>
+          </a:prstGeom>
+          <a:noFill/>
+          <a:extLst>
+            <a:ext uri="{909E8E84-426E-40DD-AFC4-6F175D3DCCD1}">
+              <a14:hiddenFill xmlns:a14="http://schemas.microsoft.com/office/drawing/2010/main">
+                <a:solidFill>
+                  <a:srgbClr val="FFFFFF"/>
+                </a:solidFill>
+              </a14:hiddenFill>
+            </a:ext>
+          </a:extLst>
+        </p:spPr>
+      </p:pic>
+      <p:pic>
+        <p:nvPicPr>
+          <p:cNvPr id="1028" name="Picture 4" descr="http://static.musiciansfriend.com/derivates/19/001/190/310/DV020_Jpg_Jumbo_151026_R.jpg"/>
+          <p:cNvPicPr>
+            <a:picLocks noChangeAspect="1" noChangeArrowheads="1"/>
+          </p:cNvPicPr>
+          <p:nvPr/>
+        </p:nvPicPr>
+        <p:blipFill>
+          <a:blip r:embed="rId3" cstate="print">
+            <a:extLst>
+              <a:ext uri="{28A0092B-C50C-407E-A947-70E740481C1C}">
+                <a14:useLocalDpi xmlns:a14="http://schemas.microsoft.com/office/drawing/2010/main" val="0"/>
+              </a:ext>
+            </a:extLst>
+          </a:blip>
+          <a:srcRect/>
+          <a:stretch>
+            <a:fillRect/>
+          </a:stretch>
+        </p:blipFill>
+        <p:spPr bwMode="auto">
+          <a:xfrm>
+            <a:off x="5777730" y="2414613"/>
+            <a:ext cx="2508492" cy="2508492"/>
+          </a:xfrm>
+          <a:prstGeom prst="rect">
+            <a:avLst/>
+          </a:prstGeom>
+          <a:noFill/>
+          <a:extLst>
+            <a:ext uri="{909E8E84-426E-40DD-AFC4-6F175D3DCCD1}">
+              <a14:hiddenFill xmlns:a14="http://schemas.microsoft.com/office/drawing/2010/main">
+                <a:solidFill>
+                  <a:srgbClr val="FFFFFF"/>
+                </a:solidFill>
+              </a14:hiddenFill>
+            </a:ext>
+          </a:extLst>
+        </p:spPr>
+      </p:pic>
+      <p:pic>
+        <p:nvPicPr>
+          <p:cNvPr id="1030" name="Picture 6" descr="http://i314.photobucket.com/albums/ll416/nurseb911/kramer2.jpg"/>
+          <p:cNvPicPr>
+            <a:picLocks noChangeAspect="1" noChangeArrowheads="1"/>
+          </p:cNvPicPr>
+          <p:nvPr/>
+        </p:nvPicPr>
+        <p:blipFill>
+          <a:blip r:embed="rId4">
+            <a:extLst>
+              <a:ext uri="{28A0092B-C50C-407E-A947-70E740481C1C}">
+                <a14:useLocalDpi xmlns:a14="http://schemas.microsoft.com/office/drawing/2010/main" val="0"/>
+              </a:ext>
+            </a:extLst>
+          </a:blip>
+          <a:srcRect/>
+          <a:stretch>
+            <a:fillRect/>
+          </a:stretch>
+        </p:blipFill>
+        <p:spPr bwMode="auto">
+          <a:xfrm>
+            <a:off x="-1" y="4152153"/>
+            <a:ext cx="3165232" cy="2705848"/>
+          </a:xfrm>
+          <a:prstGeom prst="rect">
+            <a:avLst/>
+          </a:prstGeom>
+          <a:noFill/>
+          <a:extLst>
+            <a:ext uri="{909E8E84-426E-40DD-AFC4-6F175D3DCCD1}">
+              <a14:hiddenFill xmlns:a14="http://schemas.microsoft.com/office/drawing/2010/main">
+                <a:solidFill>
+                  <a:srgbClr val="FFFFFF"/>
+                </a:solidFill>
+              </a14:hiddenFill>
+            </a:ext>
+          </a:extLst>
+        </p:spPr>
+      </p:pic>
+      <p:pic>
+        <p:nvPicPr>
+          <p:cNvPr id="1032" name="Picture 8" descr="http://wac.450f.edgecastcdn.net/80450F/991thewhale.com/files/2013/02/Guy-Rocking-Out-on-Guitar-Credit-Photodisc-rbtm_19-225x300.jpg"/>
+          <p:cNvPicPr>
+            <a:picLocks noChangeAspect="1" noChangeArrowheads="1"/>
+          </p:cNvPicPr>
+          <p:nvPr/>
+        </p:nvPicPr>
+        <p:blipFill>
+          <a:blip r:embed="rId5">
+            <a:extLst>
+              <a:ext uri="{28A0092B-C50C-407E-A947-70E740481C1C}">
+                <a14:useLocalDpi xmlns:a14="http://schemas.microsoft.com/office/drawing/2010/main" val="0"/>
+              </a:ext>
+            </a:extLst>
+          </a:blip>
+          <a:srcRect/>
+          <a:stretch>
+            <a:fillRect/>
+          </a:stretch>
+        </p:blipFill>
+        <p:spPr bwMode="auto">
+          <a:xfrm>
+            <a:off x="4888851" y="3322638"/>
+            <a:ext cx="2143125" cy="2857500"/>
+          </a:xfrm>
+          <a:prstGeom prst="rect">
+            <a:avLst/>
+          </a:prstGeom>
+          <a:noFill/>
+          <a:extLst>
+            <a:ext uri="{909E8E84-426E-40DD-AFC4-6F175D3DCCD1}">
+              <a14:hiddenFill xmlns:a14="http://schemas.microsoft.com/office/drawing/2010/main">
+                <a:solidFill>
+                  <a:srgbClr val="FFFFFF"/>
+                </a:solidFill>
+              </a14:hiddenFill>
+            </a:ext>
+          </a:extLst>
+        </p:spPr>
+      </p:pic>
+      <p:pic>
+        <p:nvPicPr>
+          <p:cNvPr id="1036" name="Picture 12" descr="http://i.dailymail.co.uk/i/pix/2011/10/18/article-2050581-00F95059000004B0-787_468x587.jpg"/>
+          <p:cNvPicPr>
+            <a:picLocks noChangeAspect="1" noChangeArrowheads="1"/>
+          </p:cNvPicPr>
+          <p:nvPr/>
+        </p:nvPicPr>
+        <p:blipFill>
+          <a:blip r:embed="rId6">
+            <a:extLst>
+              <a:ext uri="{28A0092B-C50C-407E-A947-70E740481C1C}">
+                <a14:useLocalDpi xmlns:a14="http://schemas.microsoft.com/office/drawing/2010/main" val="0"/>
+              </a:ext>
+            </a:extLst>
+          </a:blip>
+          <a:srcRect/>
+          <a:stretch>
+            <a:fillRect/>
+          </a:stretch>
+        </p:blipFill>
+        <p:spPr bwMode="auto">
+          <a:xfrm>
+            <a:off x="1687934" y="-23825"/>
+            <a:ext cx="5472213" cy="7084048"/>
+          </a:xfrm>
+          <a:prstGeom prst="rect">
+            <a:avLst/>
+          </a:prstGeom>
+          <a:noFill/>
+          <a:extLst>
+            <a:ext uri="{909E8E84-426E-40DD-AFC4-6F175D3DCCD1}">
+              <a14:hiddenFill xmlns:a14="http://schemas.microsoft.com/office/drawing/2010/main">
+                <a:solidFill>
+                  <a:srgbClr val="FFFFFF"/>
+                </a:solidFill>
+              </a14:hiddenFill>
+            </a:ext>
+          </a:extLst>
+        </p:spPr>
+      </p:pic>
     </p:spTree>
     <p:extLst>
       <p:ext uri="{BB962C8B-B14F-4D97-AF65-F5344CB8AC3E}">
@@ -3987,10 +5479,270 @@
   <p:clrMapOvr>
     <a:masterClrMapping/>
   </p:clrMapOvr>
+  <mc:AlternateContent xmlns:mc="http://schemas.openxmlformats.org/markup-compatibility/2006">
+    <mc:Choice xmlns:p14="http://schemas.microsoft.com/office/powerpoint/2010/main" Requires="p14">
+      <p:transition spd="med" p14:dur="700">
+        <p:fade/>
+      </p:transition>
+    </mc:Choice>
+    <mc:Fallback>
+      <p:transition spd="med">
+        <p:fade/>
+      </p:transition>
+    </mc:Fallback>
+  </mc:AlternateContent>
   <p:timing>
     <p:tnLst>
       <p:par>
-        <p:cTn id="1" dur="indefinite" restart="never" nodeType="tmRoot"/>
+        <p:cTn id="1" dur="indefinite" restart="never" nodeType="tmRoot">
+          <p:childTnLst>
+            <p:seq concurrent="1" nextAc="seek">
+              <p:cTn id="2" dur="indefinite" nodeType="mainSeq">
+                <p:childTnLst>
+                  <p:par>
+                    <p:cTn id="3" fill="hold">
+                      <p:stCondLst>
+                        <p:cond delay="indefinite"/>
+                      </p:stCondLst>
+                      <p:childTnLst>
+                        <p:par>
+                          <p:cTn id="4" fill="hold">
+                            <p:stCondLst>
+                              <p:cond delay="0"/>
+                            </p:stCondLst>
+                            <p:childTnLst>
+                              <p:par>
+                                <p:cTn id="5" presetID="1" presetClass="entr" presetSubtype="0" fill="hold" nodeType="clickEffect">
+                                  <p:stCondLst>
+                                    <p:cond delay="0"/>
+                                  </p:stCondLst>
+                                  <p:childTnLst>
+                                    <p:set>
+                                      <p:cBhvr>
+                                        <p:cTn id="6" dur="1" fill="hold">
+                                          <p:stCondLst>
+                                            <p:cond delay="0"/>
+                                          </p:stCondLst>
+                                        </p:cTn>
+                                        <p:tgtEl>
+                                          <p:spTgt spid="1026"/>
+                                        </p:tgtEl>
+                                        <p:attrNameLst>
+                                          <p:attrName>style.visibility</p:attrName>
+                                        </p:attrNameLst>
+                                      </p:cBhvr>
+                                      <p:to>
+                                        <p:strVal val="visible"/>
+                                      </p:to>
+                                    </p:set>
+                                  </p:childTnLst>
+                                </p:cTn>
+                              </p:par>
+                            </p:childTnLst>
+                          </p:cTn>
+                        </p:par>
+                      </p:childTnLst>
+                    </p:cTn>
+                  </p:par>
+                  <p:par>
+                    <p:cTn id="7" fill="hold">
+                      <p:stCondLst>
+                        <p:cond delay="indefinite"/>
+                      </p:stCondLst>
+                      <p:childTnLst>
+                        <p:par>
+                          <p:cTn id="8" fill="hold">
+                            <p:stCondLst>
+                              <p:cond delay="0"/>
+                            </p:stCondLst>
+                            <p:childTnLst>
+                              <p:par>
+                                <p:cTn id="9" presetID="1" presetClass="entr" presetSubtype="0" fill="hold" nodeType="clickEffect">
+                                  <p:stCondLst>
+                                    <p:cond delay="0"/>
+                                  </p:stCondLst>
+                                  <p:childTnLst>
+                                    <p:set>
+                                      <p:cBhvr>
+                                        <p:cTn id="10" dur="1" fill="hold">
+                                          <p:stCondLst>
+                                            <p:cond delay="0"/>
+                                          </p:stCondLst>
+                                        </p:cTn>
+                                        <p:tgtEl>
+                                          <p:spTgt spid="1028"/>
+                                        </p:tgtEl>
+                                        <p:attrNameLst>
+                                          <p:attrName>style.visibility</p:attrName>
+                                        </p:attrNameLst>
+                                      </p:cBhvr>
+                                      <p:to>
+                                        <p:strVal val="visible"/>
+                                      </p:to>
+                                    </p:set>
+                                  </p:childTnLst>
+                                </p:cTn>
+                              </p:par>
+                            </p:childTnLst>
+                          </p:cTn>
+                        </p:par>
+                      </p:childTnLst>
+                    </p:cTn>
+                  </p:par>
+                  <p:par>
+                    <p:cTn id="11" fill="hold">
+                      <p:stCondLst>
+                        <p:cond delay="indefinite"/>
+                      </p:stCondLst>
+                      <p:childTnLst>
+                        <p:par>
+                          <p:cTn id="12" fill="hold">
+                            <p:stCondLst>
+                              <p:cond delay="0"/>
+                            </p:stCondLst>
+                            <p:childTnLst>
+                              <p:par>
+                                <p:cTn id="13" presetID="1" presetClass="entr" presetSubtype="0" fill="hold" nodeType="clickEffect">
+                                  <p:stCondLst>
+                                    <p:cond delay="0"/>
+                                  </p:stCondLst>
+                                  <p:childTnLst>
+                                    <p:set>
+                                      <p:cBhvr>
+                                        <p:cTn id="14" dur="1" fill="hold">
+                                          <p:stCondLst>
+                                            <p:cond delay="0"/>
+                                          </p:stCondLst>
+                                        </p:cTn>
+                                        <p:tgtEl>
+                                          <p:spTgt spid="1030"/>
+                                        </p:tgtEl>
+                                        <p:attrNameLst>
+                                          <p:attrName>style.visibility</p:attrName>
+                                        </p:attrNameLst>
+                                      </p:cBhvr>
+                                      <p:to>
+                                        <p:strVal val="visible"/>
+                                      </p:to>
+                                    </p:set>
+                                  </p:childTnLst>
+                                </p:cTn>
+                              </p:par>
+                            </p:childTnLst>
+                          </p:cTn>
+                        </p:par>
+                      </p:childTnLst>
+                    </p:cTn>
+                  </p:par>
+                  <p:par>
+                    <p:cTn id="15" fill="hold">
+                      <p:stCondLst>
+                        <p:cond delay="indefinite"/>
+                      </p:stCondLst>
+                      <p:childTnLst>
+                        <p:par>
+                          <p:cTn id="16" fill="hold">
+                            <p:stCondLst>
+                              <p:cond delay="0"/>
+                            </p:stCondLst>
+                            <p:childTnLst>
+                              <p:par>
+                                <p:cTn id="17" presetID="1" presetClass="entr" presetSubtype="0" fill="hold" nodeType="clickEffect">
+                                  <p:stCondLst>
+                                    <p:cond delay="0"/>
+                                  </p:stCondLst>
+                                  <p:childTnLst>
+                                    <p:set>
+                                      <p:cBhvr>
+                                        <p:cTn id="18" dur="1" fill="hold">
+                                          <p:stCondLst>
+                                            <p:cond delay="0"/>
+                                          </p:stCondLst>
+                                        </p:cTn>
+                                        <p:tgtEl>
+                                          <p:spTgt spid="1032"/>
+                                        </p:tgtEl>
+                                        <p:attrNameLst>
+                                          <p:attrName>style.visibility</p:attrName>
+                                        </p:attrNameLst>
+                                      </p:cBhvr>
+                                      <p:to>
+                                        <p:strVal val="visible"/>
+                                      </p:to>
+                                    </p:set>
+                                  </p:childTnLst>
+                                </p:cTn>
+                              </p:par>
+                            </p:childTnLst>
+                          </p:cTn>
+                        </p:par>
+                      </p:childTnLst>
+                    </p:cTn>
+                  </p:par>
+                  <p:par>
+                    <p:cTn id="19" fill="hold">
+                      <p:stCondLst>
+                        <p:cond delay="indefinite"/>
+                      </p:stCondLst>
+                      <p:childTnLst>
+                        <p:par>
+                          <p:cTn id="20" fill="hold">
+                            <p:stCondLst>
+                              <p:cond delay="0"/>
+                            </p:stCondLst>
+                            <p:childTnLst>
+                              <p:par>
+                                <p:cTn id="21" presetID="1" presetClass="entr" presetSubtype="0" fill="hold" nodeType="clickEffect">
+                                  <p:stCondLst>
+                                    <p:cond delay="0"/>
+                                  </p:stCondLst>
+                                  <p:childTnLst>
+                                    <p:set>
+                                      <p:cBhvr>
+                                        <p:cTn id="22" dur="1" fill="hold">
+                                          <p:stCondLst>
+                                            <p:cond delay="0"/>
+                                          </p:stCondLst>
+                                        </p:cTn>
+                                        <p:tgtEl>
+                                          <p:spTgt spid="1036"/>
+                                        </p:tgtEl>
+                                        <p:attrNameLst>
+                                          <p:attrName>style.visibility</p:attrName>
+                                        </p:attrNameLst>
+                                      </p:cBhvr>
+                                      <p:to>
+                                        <p:strVal val="visible"/>
+                                      </p:to>
+                                    </p:set>
+                                  </p:childTnLst>
+                                </p:cTn>
+                              </p:par>
+                            </p:childTnLst>
+                          </p:cTn>
+                        </p:par>
+                      </p:childTnLst>
+                    </p:cTn>
+                  </p:par>
+                </p:childTnLst>
+              </p:cTn>
+              <p:prevCondLst>
+                <p:cond evt="onPrev" delay="0">
+                  <p:tgtEl>
+                    <p:sldTgt/>
+                  </p:tgtEl>
+                </p:cond>
+              </p:prevCondLst>
+              <p:nextCondLst>
+                <p:cond evt="onNext" delay="0">
+                  <p:tgtEl>
+                    <p:sldTgt/>
+                  </p:tgtEl>
+                </p:cond>
+              </p:nextCondLst>
+            </p:seq>
+          </p:childTnLst>
+        </p:cTn>
       </p:par>
     </p:tnLst>
   </p:timing>
@@ -4024,7 +5776,12 @@
             <p:ph type="title"/>
           </p:nvPr>
         </p:nvSpPr>
-        <p:spPr/>
+        <p:spPr>
+          <a:xfrm>
+            <a:off x="946404" y="365760"/>
+            <a:ext cx="7269480" cy="701040"/>
+          </a:xfrm>
+        </p:spPr>
         <p:txBody>
           <a:bodyPr/>
           <a:lstStyle/>
@@ -4037,35 +5794,56 @@
           </a:p>
         </p:txBody>
       </p:sp>
-      <p:sp>
-        <p:nvSpPr>
-          <p:cNvPr id="3" name="Content Placeholder 2"/>
-          <p:cNvSpPr>
-            <a:spLocks noGrp="1"/>
-          </p:cNvSpPr>
+      <p:pic>
+        <p:nvPicPr>
+          <p:cNvPr id="7" name="Content Placeholder 6"/>
+          <p:cNvPicPr>
+            <a:picLocks noGrp="1" noChangeAspect="1"/>
+          </p:cNvPicPr>
           <p:nvPr>
             <p:ph idx="1"/>
           </p:nvPr>
-        </p:nvSpPr>
-        <p:spPr/>
-        <p:txBody>
-          <a:bodyPr/>
-          <a:lstStyle/>
-          <a:p>
-            <a:endParaRPr lang="en-US"/>
-          </a:p>
-        </p:txBody>
-      </p:sp>
+        </p:nvPicPr>
+        <p:blipFill rotWithShape="1">
+          <a:blip r:embed="rId2">
+            <a:extLst>
+              <a:ext uri="{28A0092B-C50C-407E-A947-70E740481C1C}">
+                <a14:useLocalDpi xmlns:a14="http://schemas.microsoft.com/office/drawing/2010/main" val="0"/>
+              </a:ext>
+            </a:extLst>
+          </a:blip>
+          <a:srcRect t="16199"/>
+          <a:stretch/>
+        </p:blipFill>
+        <p:spPr>
+          <a:xfrm>
+            <a:off x="180183" y="1066799"/>
+            <a:ext cx="7943714" cy="5648325"/>
+          </a:xfrm>
+        </p:spPr>
+      </p:pic>
     </p:spTree>
     <p:extLst>
       <p:ext uri="{BB962C8B-B14F-4D97-AF65-F5344CB8AC3E}">
-        <p14:creationId xmlns:p14="http://schemas.microsoft.com/office/powerpoint/2010/main" val="964921092"/>
+        <p14:creationId xmlns:p14="http://schemas.microsoft.com/office/powerpoint/2010/main" val="232682897"/>
       </p:ext>
     </p:extLst>
   </p:cSld>
   <p:clrMapOvr>
     <a:masterClrMapping/>
   </p:clrMapOvr>
+  <mc:AlternateContent xmlns:mc="http://schemas.openxmlformats.org/markup-compatibility/2006">
+    <mc:Choice xmlns:p14="http://schemas.microsoft.com/office/powerpoint/2010/main" Requires="p14">
+      <p:transition spd="med" p14:dur="700">
+        <p:fade/>
+      </p:transition>
+    </mc:Choice>
+    <mc:Fallback>
+      <p:transition spd="med">
+        <p:fade/>
+      </p:transition>
+    </mc:Fallback>
+  </mc:AlternateContent>
   <p:timing>
     <p:tnLst>
       <p:par>
@@ -4131,10 +5909,116 @@
           <a:bodyPr/>
           <a:lstStyle/>
           <a:p>
-            <a:endParaRPr lang="en-US"/>
-          </a:p>
-        </p:txBody>
-      </p:sp>
+            <a:r>
+              <a:rPr lang="en-US" dirty="0" smtClean="0"/>
+              <a:t>New regulator</a:t>
+            </a:r>
+          </a:p>
+          <a:p>
+            <a:r>
+              <a:rPr lang="en-US" dirty="0" smtClean="0"/>
+              <a:t>Mono inputs and outputs</a:t>
+            </a:r>
+          </a:p>
+          <a:p>
+            <a:r>
+              <a:rPr lang="en-US" dirty="0" smtClean="0"/>
+              <a:t>USB cable</a:t>
+            </a:r>
+          </a:p>
+          <a:p>
+            <a:endParaRPr lang="en-US" dirty="0" smtClean="0"/>
+          </a:p>
+          <a:p>
+            <a:endParaRPr lang="en-US" dirty="0" smtClean="0"/>
+          </a:p>
+          <a:p>
+            <a:endParaRPr lang="en-US" dirty="0"/>
+          </a:p>
+        </p:txBody>
+      </p:sp>
+      <p:pic>
+        <p:nvPicPr>
+          <p:cNvPr id="2050" name="Picture 2" descr="http://www.electronicproducts.com/uploadedImages/Computer_Systems/Standalone_Mobile/Sony%20VAIO%202.jpg"/>
+          <p:cNvPicPr>
+            <a:picLocks noChangeAspect="1" noChangeArrowheads="1"/>
+          </p:cNvPicPr>
+          <p:nvPr/>
+        </p:nvPicPr>
+        <p:blipFill>
+          <a:blip r:embed="rId2">
+            <a:extLst>
+              <a:ext uri="{28A0092B-C50C-407E-A947-70E740481C1C}">
+                <a14:useLocalDpi xmlns:a14="http://schemas.microsoft.com/office/drawing/2010/main" val="0"/>
+              </a:ext>
+            </a:extLst>
+          </a:blip>
+          <a:srcRect/>
+          <a:stretch>
+            <a:fillRect/>
+          </a:stretch>
+        </p:blipFill>
+        <p:spPr bwMode="auto">
+          <a:xfrm>
+            <a:off x="4736367" y="1828800"/>
+            <a:ext cx="2798641" cy="2157107"/>
+          </a:xfrm>
+          <a:prstGeom prst="rect">
+            <a:avLst/>
+          </a:prstGeom>
+          <a:noFill/>
+          <a:extLst>
+            <a:ext uri="{909E8E84-426E-40DD-AFC4-6F175D3DCCD1}">
+              <a14:hiddenFill xmlns:a14="http://schemas.microsoft.com/office/drawing/2010/main">
+                <a:solidFill>
+                  <a:srgbClr val="FFFFFF"/>
+                </a:solidFill>
+              </a14:hiddenFill>
+            </a:ext>
+          </a:extLst>
+        </p:spPr>
+      </p:pic>
+      <p:pic>
+        <p:nvPicPr>
+          <p:cNvPr id="2054" name="Picture 6" descr="http://ph-live-02.slatic.net/p/2/cy-50cm-full-pin-connected-micro-usb-2-0-type-5pin-male-to-female-cable-for-tablet-phone-mhl-otg-intl-2193-1955405-2284d39b7b21047a6c5c92ae89816b55-zoom.jpg"/>
+          <p:cNvPicPr>
+            <a:picLocks noChangeAspect="1" noChangeArrowheads="1"/>
+          </p:cNvPicPr>
+          <p:nvPr/>
+        </p:nvPicPr>
+        <p:blipFill>
+          <a:blip r:embed="rId3" cstate="print">
+            <a:extLst>
+              <a:ext uri="{28A0092B-C50C-407E-A947-70E740481C1C}">
+                <a14:useLocalDpi xmlns:a14="http://schemas.microsoft.com/office/drawing/2010/main" val="0"/>
+              </a:ext>
+            </a:extLst>
+          </a:blip>
+          <a:srcRect/>
+          <a:stretch>
+            <a:fillRect/>
+          </a:stretch>
+        </p:blipFill>
+        <p:spPr bwMode="auto">
+          <a:xfrm>
+            <a:off x="1101487" y="3665906"/>
+            <a:ext cx="2816224" cy="2816224"/>
+          </a:xfrm>
+          <a:prstGeom prst="rect">
+            <a:avLst/>
+          </a:prstGeom>
+          <a:noFill/>
+          <a:extLst>
+            <a:ext uri="{909E8E84-426E-40DD-AFC4-6F175D3DCCD1}">
+              <a14:hiddenFill xmlns:a14="http://schemas.microsoft.com/office/drawing/2010/main">
+                <a:solidFill>
+                  <a:srgbClr val="FFFFFF"/>
+                </a:solidFill>
+              </a14:hiddenFill>
+            </a:ext>
+          </a:extLst>
+        </p:spPr>
+      </p:pic>
     </p:spTree>
     <p:extLst>
       <p:ext uri="{BB962C8B-B14F-4D97-AF65-F5344CB8AC3E}">
@@ -4145,10 +6029,135 @@
   <p:clrMapOvr>
     <a:masterClrMapping/>
   </p:clrMapOvr>
+  <mc:AlternateContent xmlns:mc="http://schemas.openxmlformats.org/markup-compatibility/2006">
+    <mc:Choice xmlns:p14="http://schemas.microsoft.com/office/powerpoint/2010/main" Requires="p14">
+      <p:transition spd="med" p14:dur="700">
+        <p:fade/>
+      </p:transition>
+    </mc:Choice>
+    <mc:Fallback>
+      <p:transition spd="med">
+        <p:fade/>
+      </p:transition>
+    </mc:Fallback>
+  </mc:AlternateContent>
   <p:timing>
     <p:tnLst>
       <p:par>
-        <p:cTn id="1" dur="indefinite" restart="never" nodeType="tmRoot"/>
+        <p:cTn id="1" dur="indefinite" restart="never" nodeType="tmRoot">
+          <p:childTnLst>
+            <p:seq concurrent="1" nextAc="seek">
+              <p:cTn id="2" dur="indefinite" nodeType="mainSeq">
+                <p:childTnLst>
+                  <p:par>
+                    <p:cTn id="3" fill="hold">
+                      <p:stCondLst>
+                        <p:cond delay="indefinite"/>
+                      </p:stCondLst>
+                      <p:childTnLst>
+                        <p:par>
+                          <p:cTn id="4" fill="hold">
+                            <p:stCondLst>
+                              <p:cond delay="0"/>
+                            </p:stCondLst>
+                            <p:childTnLst>
+                              <p:par>
+                                <p:cTn id="5" presetID="1" presetClass="entr" presetSubtype="0" fill="hold" nodeType="clickEffect">
+                                  <p:stCondLst>
+                                    <p:cond delay="0"/>
+                                  </p:stCondLst>
+                                  <p:childTnLst>
+                                    <p:set>
+                                      <p:cBhvr>
+                                        <p:cTn id="6" dur="1" fill="hold">
+                                          <p:stCondLst>
+                                            <p:cond delay="0"/>
+                                          </p:stCondLst>
+                                        </p:cTn>
+                                        <p:tgtEl>
+                                          <p:spTgt spid="2050"/>
+                                        </p:tgtEl>
+                                        <p:attrNameLst>
+                                          <p:attrName>style.visibility</p:attrName>
+                                        </p:attrNameLst>
+                                      </p:cBhvr>
+                                      <p:to>
+                                        <p:strVal val="visible"/>
+                                      </p:to>
+                                    </p:set>
+                                  </p:childTnLst>
+                                </p:cTn>
+                              </p:par>
+                            </p:childTnLst>
+                          </p:cTn>
+                        </p:par>
+                      </p:childTnLst>
+                    </p:cTn>
+                  </p:par>
+                  <p:par>
+                    <p:cTn id="7" fill="hold">
+                      <p:stCondLst>
+                        <p:cond delay="indefinite"/>
+                      </p:stCondLst>
+                      <p:childTnLst>
+                        <p:par>
+                          <p:cTn id="8" fill="hold">
+                            <p:stCondLst>
+                              <p:cond delay="0"/>
+                            </p:stCondLst>
+                            <p:childTnLst>
+                              <p:par>
+                                <p:cTn id="9" presetID="1" presetClass="entr" presetSubtype="0" fill="hold" nodeType="clickEffect">
+                                  <p:stCondLst>
+                                    <p:cond delay="0"/>
+                                  </p:stCondLst>
+                                  <p:childTnLst>
+                                    <p:set>
+                                      <p:cBhvr>
+                                        <p:cTn id="10" dur="1" fill="hold">
+                                          <p:stCondLst>
+                                            <p:cond delay="0"/>
+                                          </p:stCondLst>
+                                        </p:cTn>
+                                        <p:tgtEl>
+                                          <p:spTgt spid="2054"/>
+                                        </p:tgtEl>
+                                        <p:attrNameLst>
+                                          <p:attrName>style.visibility</p:attrName>
+                                        </p:attrNameLst>
+                                      </p:cBhvr>
+                                      <p:to>
+                                        <p:strVal val="visible"/>
+                                      </p:to>
+                                    </p:set>
+                                  </p:childTnLst>
+                                </p:cTn>
+                              </p:par>
+                            </p:childTnLst>
+                          </p:cTn>
+                        </p:par>
+                      </p:childTnLst>
+                    </p:cTn>
+                  </p:par>
+                </p:childTnLst>
+              </p:cTn>
+              <p:prevCondLst>
+                <p:cond evt="onPrev" delay="0">
+                  <p:tgtEl>
+                    <p:sldTgt/>
+                  </p:tgtEl>
+                </p:cond>
+              </p:prevCondLst>
+              <p:nextCondLst>
+                <p:cond evt="onNext" delay="0">
+                  <p:tgtEl>
+                    <p:sldTgt/>
+                  </p:tgtEl>
+                </p:cond>
+              </p:nextCondLst>
+            </p:seq>
+          </p:childTnLst>
+        </p:cTn>
       </p:par>
     </p:tnLst>
   </p:timing>
@@ -4182,7 +6191,12 @@
             <p:ph type="title"/>
           </p:nvPr>
         </p:nvSpPr>
-        <p:spPr/>
+        <p:spPr>
+          <a:xfrm>
+            <a:off x="946404" y="184785"/>
+            <a:ext cx="7269480" cy="691515"/>
+          </a:xfrm>
+        </p:spPr>
         <p:txBody>
           <a:bodyPr/>
           <a:lstStyle/>
@@ -4195,35 +6209,56 @@
           </a:p>
         </p:txBody>
       </p:sp>
-      <p:sp>
-        <p:nvSpPr>
-          <p:cNvPr id="3" name="Content Placeholder 2"/>
-          <p:cNvSpPr>
-            <a:spLocks noGrp="1"/>
-          </p:cNvSpPr>
+      <p:pic>
+        <p:nvPicPr>
+          <p:cNvPr id="6" name="Content Placeholder 5"/>
+          <p:cNvPicPr>
+            <a:picLocks noGrp="1" noChangeAspect="1"/>
+          </p:cNvPicPr>
           <p:nvPr>
             <p:ph idx="1"/>
           </p:nvPr>
-        </p:nvSpPr>
-        <p:spPr/>
-        <p:txBody>
-          <a:bodyPr/>
-          <a:lstStyle/>
-          <a:p>
-            <a:endParaRPr lang="en-US"/>
-          </a:p>
-        </p:txBody>
-      </p:sp>
+        </p:nvPicPr>
+        <p:blipFill rotWithShape="1">
+          <a:blip r:embed="rId2" cstate="print">
+            <a:extLst>
+              <a:ext uri="{28A0092B-C50C-407E-A947-70E740481C1C}">
+                <a14:useLocalDpi xmlns:a14="http://schemas.microsoft.com/office/drawing/2010/main" val="0"/>
+              </a:ext>
+            </a:extLst>
+          </a:blip>
+          <a:srcRect b="3874"/>
+          <a:stretch/>
+        </p:blipFill>
+        <p:spPr>
+          <a:xfrm>
+            <a:off x="335690" y="990600"/>
+            <a:ext cx="7770912" cy="5772150"/>
+          </a:xfrm>
+        </p:spPr>
+      </p:pic>
     </p:spTree>
     <p:extLst>
       <p:ext uri="{BB962C8B-B14F-4D97-AF65-F5344CB8AC3E}">
-        <p14:creationId xmlns:p14="http://schemas.microsoft.com/office/powerpoint/2010/main" val="3947259120"/>
+        <p14:creationId xmlns:p14="http://schemas.microsoft.com/office/powerpoint/2010/main" val="2366927052"/>
       </p:ext>
     </p:extLst>
   </p:cSld>
   <p:clrMapOvr>
     <a:masterClrMapping/>
   </p:clrMapOvr>
+  <mc:AlternateContent xmlns:mc="http://schemas.openxmlformats.org/markup-compatibility/2006">
+    <mc:Choice xmlns:p14="http://schemas.microsoft.com/office/powerpoint/2010/main" Requires="p14">
+      <p:transition spd="med" p14:dur="700">
+        <p:fade/>
+      </p:transition>
+    </mc:Choice>
+    <mc:Fallback>
+      <p:transition spd="med">
+        <p:fade/>
+      </p:transition>
+    </mc:Fallback>
+  </mc:AlternateContent>
   <p:timing>
     <p:tnLst>
       <p:par>
@@ -4251,6 +6286,67 @@
           <a:chExt cx="0" cy="0"/>
         </a:xfrm>
       </p:grpSpPr>
+      <p:pic>
+        <p:nvPicPr>
+          <p:cNvPr id="7" name="Content Placeholder 6"/>
+          <p:cNvPicPr>
+            <a:picLocks noGrp="1" noChangeAspect="1"/>
+          </p:cNvPicPr>
+          <p:nvPr>
+            <p:ph sz="half" idx="2"/>
+          </p:nvPr>
+        </p:nvPicPr>
+        <p:blipFill rotWithShape="1">
+          <a:blip r:embed="rId2" cstate="print">
+            <a:extLst>
+              <a:ext uri="{28A0092B-C50C-407E-A947-70E740481C1C}">
+                <a14:useLocalDpi xmlns:a14="http://schemas.microsoft.com/office/drawing/2010/main" val="0"/>
+              </a:ext>
+            </a:extLst>
+          </a:blip>
+          <a:srcRect l="13511"/>
+          <a:stretch/>
+        </p:blipFill>
+        <p:spPr>
+          <a:xfrm rot="5400000">
+            <a:off x="1592711" y="2111211"/>
+            <a:ext cx="5163080" cy="3351141"/>
+          </a:xfrm>
+          <a:prstGeom prst="rect">
+            <a:avLst/>
+          </a:prstGeom>
+          <a:solidFill>
+            <a:srgbClr val="FFFFFF">
+              <a:shade val="85000"/>
+            </a:srgbClr>
+          </a:solidFill>
+          <a:ln w="88900" cap="sq">
+            <a:solidFill>
+              <a:srgbClr val="FFFFFF"/>
+            </a:solidFill>
+            <a:miter lim="800000"/>
+          </a:ln>
+          <a:effectLst>
+            <a:outerShdw blurRad="55000" dist="18000" dir="5400000" algn="tl" rotWithShape="0">
+              <a:srgbClr val="000000">
+                <a:alpha val="40000"/>
+              </a:srgbClr>
+            </a:outerShdw>
+          </a:effectLst>
+          <a:scene3d>
+            <a:camera prst="orthographicFront"/>
+            <a:lightRig rig="twoPt" dir="t">
+              <a:rot lat="0" lon="0" rev="7200000"/>
+            </a:lightRig>
+          </a:scene3d>
+          <a:sp3d>
+            <a:bevelT w="25400" h="19050"/>
+            <a:contourClr>
+              <a:srgbClr val="FFFFFF"/>
+            </a:contourClr>
+          </a:sp3d>
+        </p:spPr>
+      </p:pic>
       <p:sp>
         <p:nvSpPr>
           <p:cNvPr id="2" name="Title 1"/>
@@ -4261,7 +6357,12 @@
             <p:ph type="title"/>
           </p:nvPr>
         </p:nvSpPr>
-        <p:spPr/>
+        <p:spPr>
+          <a:xfrm>
+            <a:off x="871143" y="-481176"/>
+            <a:ext cx="7269480" cy="1325562"/>
+          </a:xfrm>
+        </p:spPr>
         <p:txBody>
           <a:bodyPr/>
           <a:lstStyle/>
@@ -4276,20 +6377,497 @@
       </p:sp>
       <p:sp>
         <p:nvSpPr>
-          <p:cNvPr id="3" name="Content Placeholder 2"/>
-          <p:cNvSpPr>
-            <a:spLocks noGrp="1"/>
-          </p:cNvSpPr>
-          <p:nvPr>
-            <p:ph idx="1"/>
-          </p:nvPr>
-        </p:nvSpPr>
-        <p:spPr/>
-        <p:txBody>
-          <a:bodyPr/>
+          <p:cNvPr id="10" name="Right Arrow 9"/>
+          <p:cNvSpPr/>
+          <p:nvPr/>
+        </p:nvSpPr>
+        <p:spPr>
+          <a:xfrm>
+            <a:off x="1391434" y="3843910"/>
+            <a:ext cx="1978269" cy="395654"/>
+          </a:xfrm>
+          <a:prstGeom prst="rightArrow">
+            <a:avLst/>
+          </a:prstGeom>
+          <a:solidFill>
+            <a:schemeClr val="accent3">
+              <a:lumMod val="60000"/>
+              <a:lumOff val="40000"/>
+            </a:schemeClr>
+          </a:solidFill>
+        </p:spPr>
+        <p:style>
+          <a:lnRef idx="2">
+            <a:schemeClr val="accent1">
+              <a:shade val="50000"/>
+            </a:schemeClr>
+          </a:lnRef>
+          <a:fillRef idx="1">
+            <a:schemeClr val="accent1"/>
+          </a:fillRef>
+          <a:effectRef idx="0">
+            <a:schemeClr val="accent1"/>
+          </a:effectRef>
+          <a:fontRef idx="minor">
+            <a:schemeClr val="lt1"/>
+          </a:fontRef>
+        </p:style>
+        <p:txBody>
+          <a:bodyPr rtlCol="0" anchor="ctr"/>
           <a:lstStyle/>
           <a:p>
+            <a:pPr algn="ctr"/>
             <a:endParaRPr lang="en-US"/>
+          </a:p>
+        </p:txBody>
+      </p:sp>
+      <p:sp>
+        <p:nvSpPr>
+          <p:cNvPr id="11" name="TextBox 10"/>
+          <p:cNvSpPr txBox="1"/>
+          <p:nvPr/>
+        </p:nvSpPr>
+        <p:spPr>
+          <a:xfrm>
+            <a:off x="358789" y="3843910"/>
+            <a:ext cx="867417" cy="369332"/>
+          </a:xfrm>
+          <a:prstGeom prst="rect">
+            <a:avLst/>
+          </a:prstGeom>
+          <a:noFill/>
+        </p:spPr>
+        <p:txBody>
+          <a:bodyPr wrap="none" rtlCol="0">
+            <a:spAutoFit/>
+          </a:bodyPr>
+          <a:lstStyle/>
+          <a:p>
+            <a:r>
+              <a:rPr lang="en-US" dirty="0" smtClean="0">
+                <a:latin typeface="Bell MT" panose="02020503060305020303" pitchFamily="18" charset="0"/>
+              </a:rPr>
+              <a:t>Teensy</a:t>
+            </a:r>
+            <a:endParaRPr lang="en-US" dirty="0">
+              <a:latin typeface="Bell MT" panose="02020503060305020303" pitchFamily="18" charset="0"/>
+            </a:endParaRPr>
+          </a:p>
+        </p:txBody>
+      </p:sp>
+      <p:sp>
+        <p:nvSpPr>
+          <p:cNvPr id="12" name="Right Arrow 11"/>
+          <p:cNvSpPr/>
+          <p:nvPr/>
+        </p:nvSpPr>
+        <p:spPr>
+          <a:xfrm>
+            <a:off x="1408838" y="1875381"/>
+            <a:ext cx="2069631" cy="395654"/>
+          </a:xfrm>
+          <a:prstGeom prst="rightArrow">
+            <a:avLst/>
+          </a:prstGeom>
+          <a:solidFill>
+            <a:schemeClr val="accent3">
+              <a:lumMod val="20000"/>
+              <a:lumOff val="80000"/>
+            </a:schemeClr>
+          </a:solidFill>
+        </p:spPr>
+        <p:style>
+          <a:lnRef idx="2">
+            <a:schemeClr val="accent1">
+              <a:shade val="50000"/>
+            </a:schemeClr>
+          </a:lnRef>
+          <a:fillRef idx="1">
+            <a:schemeClr val="accent1"/>
+          </a:fillRef>
+          <a:effectRef idx="0">
+            <a:schemeClr val="accent1"/>
+          </a:effectRef>
+          <a:fontRef idx="minor">
+            <a:schemeClr val="lt1"/>
+          </a:fontRef>
+        </p:style>
+        <p:txBody>
+          <a:bodyPr rtlCol="0" anchor="ctr"/>
+          <a:lstStyle/>
+          <a:p>
+            <a:pPr algn="ctr"/>
+            <a:endParaRPr lang="en-US">
+              <a:solidFill>
+                <a:srgbClr val="FF0000"/>
+              </a:solidFill>
+            </a:endParaRPr>
+          </a:p>
+        </p:txBody>
+      </p:sp>
+      <p:sp>
+        <p:nvSpPr>
+          <p:cNvPr id="13" name="TextBox 12"/>
+          <p:cNvSpPr txBox="1"/>
+          <p:nvPr/>
+        </p:nvSpPr>
+        <p:spPr>
+          <a:xfrm>
+            <a:off x="447523" y="1882281"/>
+            <a:ext cx="915635" cy="369332"/>
+          </a:xfrm>
+          <a:prstGeom prst="rect">
+            <a:avLst/>
+          </a:prstGeom>
+          <a:noFill/>
+        </p:spPr>
+        <p:txBody>
+          <a:bodyPr wrap="none" rtlCol="0">
+            <a:spAutoFit/>
+          </a:bodyPr>
+          <a:lstStyle/>
+          <a:p>
+            <a:r>
+              <a:rPr lang="en-US" dirty="0" smtClean="0">
+                <a:latin typeface="Adobe Gothic Std B" panose="020B0800000000000000" pitchFamily="34" charset="-128"/>
+                <a:ea typeface="Adobe Gothic Std B" panose="020B0800000000000000" pitchFamily="34" charset="-128"/>
+              </a:rPr>
+              <a:t>Switch</a:t>
+            </a:r>
+            <a:endParaRPr lang="en-US" dirty="0">
+              <a:latin typeface="Adobe Gothic Std B" panose="020B0800000000000000" pitchFamily="34" charset="-128"/>
+              <a:ea typeface="Adobe Gothic Std B" panose="020B0800000000000000" pitchFamily="34" charset="-128"/>
+            </a:endParaRPr>
+          </a:p>
+        </p:txBody>
+      </p:sp>
+      <p:sp>
+        <p:nvSpPr>
+          <p:cNvPr id="14" name="Left Arrow 13"/>
+          <p:cNvSpPr/>
+          <p:nvPr/>
+        </p:nvSpPr>
+        <p:spPr>
+          <a:xfrm>
+            <a:off x="4334439" y="1926684"/>
+            <a:ext cx="2009217" cy="378070"/>
+          </a:xfrm>
+          <a:prstGeom prst="leftArrow">
+            <a:avLst/>
+          </a:prstGeom>
+          <a:solidFill>
+            <a:schemeClr val="accent3">
+              <a:lumMod val="75000"/>
+            </a:schemeClr>
+          </a:solidFill>
+        </p:spPr>
+        <p:style>
+          <a:lnRef idx="2">
+            <a:schemeClr val="accent1">
+              <a:shade val="50000"/>
+            </a:schemeClr>
+          </a:lnRef>
+          <a:fillRef idx="1">
+            <a:schemeClr val="accent1"/>
+          </a:fillRef>
+          <a:effectRef idx="0">
+            <a:schemeClr val="accent1"/>
+          </a:effectRef>
+          <a:fontRef idx="minor">
+            <a:schemeClr val="lt1"/>
+          </a:fontRef>
+        </p:style>
+        <p:txBody>
+          <a:bodyPr rtlCol="0" anchor="ctr"/>
+          <a:lstStyle/>
+          <a:p>
+            <a:pPr algn="ctr"/>
+            <a:endParaRPr lang="en-US"/>
+          </a:p>
+        </p:txBody>
+      </p:sp>
+      <p:sp>
+        <p:nvSpPr>
+          <p:cNvPr id="15" name="TextBox 14"/>
+          <p:cNvSpPr txBox="1"/>
+          <p:nvPr/>
+        </p:nvSpPr>
+        <p:spPr>
+          <a:xfrm>
+            <a:off x="6343656" y="1935422"/>
+            <a:ext cx="1366080" cy="369332"/>
+          </a:xfrm>
+          <a:prstGeom prst="rect">
+            <a:avLst/>
+          </a:prstGeom>
+          <a:noFill/>
+        </p:spPr>
+        <p:txBody>
+          <a:bodyPr wrap="none" rtlCol="0">
+            <a:spAutoFit/>
+          </a:bodyPr>
+          <a:lstStyle/>
+          <a:p>
+            <a:r>
+              <a:rPr lang="en-US" dirty="0" smtClean="0">
+                <a:latin typeface="Arial Narrow" panose="020B0606020202030204" pitchFamily="34" charset="0"/>
+              </a:rPr>
+              <a:t>Potentiometer</a:t>
+            </a:r>
+          </a:p>
+        </p:txBody>
+      </p:sp>
+      <p:sp>
+        <p:nvSpPr>
+          <p:cNvPr id="16" name="Right Arrow 15"/>
+          <p:cNvSpPr/>
+          <p:nvPr/>
+        </p:nvSpPr>
+        <p:spPr>
+          <a:xfrm rot="776463">
+            <a:off x="1378392" y="3172835"/>
+            <a:ext cx="1668792" cy="325316"/>
+          </a:xfrm>
+          <a:prstGeom prst="rightArrow">
+            <a:avLst>
+              <a:gd name="adj1" fmla="val 52102"/>
+              <a:gd name="adj2" fmla="val 50000"/>
+            </a:avLst>
+          </a:prstGeom>
+          <a:solidFill>
+            <a:schemeClr val="accent3">
+              <a:lumMod val="40000"/>
+              <a:lumOff val="60000"/>
+            </a:schemeClr>
+          </a:solidFill>
+        </p:spPr>
+        <p:style>
+          <a:lnRef idx="2">
+            <a:schemeClr val="accent1">
+              <a:shade val="50000"/>
+            </a:schemeClr>
+          </a:lnRef>
+          <a:fillRef idx="1">
+            <a:schemeClr val="accent1"/>
+          </a:fillRef>
+          <a:effectRef idx="0">
+            <a:schemeClr val="accent1"/>
+          </a:effectRef>
+          <a:fontRef idx="minor">
+            <a:schemeClr val="lt1"/>
+          </a:fontRef>
+        </p:style>
+        <p:txBody>
+          <a:bodyPr rtlCol="0" anchor="ctr"/>
+          <a:lstStyle/>
+          <a:p>
+            <a:pPr algn="ctr"/>
+            <a:endParaRPr lang="en-US"/>
+          </a:p>
+        </p:txBody>
+      </p:sp>
+      <p:sp>
+        <p:nvSpPr>
+          <p:cNvPr id="17" name="TextBox 16"/>
+          <p:cNvSpPr txBox="1"/>
+          <p:nvPr/>
+        </p:nvSpPr>
+        <p:spPr>
+          <a:xfrm>
+            <a:off x="581597" y="2874684"/>
+            <a:ext cx="809837" cy="369332"/>
+          </a:xfrm>
+          <a:prstGeom prst="rect">
+            <a:avLst/>
+          </a:prstGeom>
+          <a:noFill/>
+        </p:spPr>
+        <p:txBody>
+          <a:bodyPr wrap="none" rtlCol="0">
+            <a:spAutoFit/>
+          </a:bodyPr>
+          <a:lstStyle/>
+          <a:p>
+            <a:r>
+              <a:rPr lang="en-US" dirty="0" smtClean="0">
+                <a:latin typeface="Adobe Myungjo Std M" panose="02020600000000000000" pitchFamily="18" charset="-128"/>
+                <a:ea typeface="Adobe Myungjo Std M" panose="02020600000000000000" pitchFamily="18" charset="-128"/>
+              </a:rPr>
+              <a:t>Jacks</a:t>
+            </a:r>
+            <a:endParaRPr lang="en-US" dirty="0">
+              <a:latin typeface="Adobe Myungjo Std M" panose="02020600000000000000" pitchFamily="18" charset="-128"/>
+              <a:ea typeface="Adobe Myungjo Std M" panose="02020600000000000000" pitchFamily="18" charset="-128"/>
+            </a:endParaRPr>
+          </a:p>
+        </p:txBody>
+      </p:sp>
+      <p:sp>
+        <p:nvSpPr>
+          <p:cNvPr id="19" name="Left Arrow 18"/>
+          <p:cNvSpPr/>
+          <p:nvPr/>
+        </p:nvSpPr>
+        <p:spPr>
+          <a:xfrm>
+            <a:off x="5713691" y="4092589"/>
+            <a:ext cx="1408605" cy="378070"/>
+          </a:xfrm>
+          <a:prstGeom prst="leftArrow">
+            <a:avLst/>
+          </a:prstGeom>
+          <a:solidFill>
+            <a:schemeClr val="accent3">
+              <a:lumMod val="50000"/>
+            </a:schemeClr>
+          </a:solidFill>
+        </p:spPr>
+        <p:style>
+          <a:lnRef idx="2">
+            <a:schemeClr val="accent1">
+              <a:shade val="50000"/>
+            </a:schemeClr>
+          </a:lnRef>
+          <a:fillRef idx="1">
+            <a:schemeClr val="accent1"/>
+          </a:fillRef>
+          <a:effectRef idx="0">
+            <a:schemeClr val="accent1"/>
+          </a:effectRef>
+          <a:fontRef idx="minor">
+            <a:schemeClr val="lt1"/>
+          </a:fontRef>
+        </p:style>
+        <p:txBody>
+          <a:bodyPr rtlCol="0" anchor="ctr"/>
+          <a:lstStyle/>
+          <a:p>
+            <a:pPr algn="ctr"/>
+            <a:endParaRPr lang="en-US"/>
+          </a:p>
+        </p:txBody>
+      </p:sp>
+      <p:sp>
+        <p:nvSpPr>
+          <p:cNvPr id="20" name="TextBox 19"/>
+          <p:cNvSpPr txBox="1"/>
+          <p:nvPr/>
+        </p:nvSpPr>
+        <p:spPr>
+          <a:xfrm>
+            <a:off x="7144738" y="4096958"/>
+            <a:ext cx="795411" cy="369332"/>
+          </a:xfrm>
+          <a:prstGeom prst="rect">
+            <a:avLst/>
+          </a:prstGeom>
+          <a:noFill/>
+        </p:spPr>
+        <p:txBody>
+          <a:bodyPr wrap="none" rtlCol="0">
+            <a:spAutoFit/>
+          </a:bodyPr>
+          <a:lstStyle/>
+          <a:p>
+            <a:r>
+              <a:rPr lang="en-US" dirty="0" smtClean="0"/>
+              <a:t>Cable</a:t>
+            </a:r>
+            <a:endParaRPr lang="en-US" dirty="0"/>
+          </a:p>
+        </p:txBody>
+      </p:sp>
+      <p:pic>
+        <p:nvPicPr>
+          <p:cNvPr id="21" name="Picture 20"/>
+          <p:cNvPicPr>
+            <a:picLocks noChangeAspect="1"/>
+          </p:cNvPicPr>
+          <p:nvPr/>
+        </p:nvPicPr>
+        <p:blipFill>
+          <a:blip r:embed="rId3" cstate="print">
+            <a:extLst>
+              <a:ext uri="{28A0092B-C50C-407E-A947-70E740481C1C}">
+                <a14:useLocalDpi xmlns:a14="http://schemas.microsoft.com/office/drawing/2010/main" val="0"/>
+              </a:ext>
+            </a:extLst>
+          </a:blip>
+          <a:stretch>
+            <a:fillRect/>
+          </a:stretch>
+        </p:blipFill>
+        <p:spPr>
+          <a:xfrm rot="5400000">
+            <a:off x="1667089" y="2333395"/>
+            <a:ext cx="5270781" cy="2964814"/>
+          </a:xfrm>
+          <a:prstGeom prst="rect">
+            <a:avLst/>
+          </a:prstGeom>
+          <a:solidFill>
+            <a:srgbClr val="FFFFFF">
+              <a:shade val="85000"/>
+            </a:srgbClr>
+          </a:solidFill>
+          <a:ln w="88900" cap="sq">
+            <a:solidFill>
+              <a:srgbClr val="FFFFFF"/>
+            </a:solidFill>
+            <a:miter lim="800000"/>
+          </a:ln>
+          <a:effectLst>
+            <a:outerShdw blurRad="55000" dist="18000" dir="5400000" algn="tl" rotWithShape="0">
+              <a:srgbClr val="000000">
+                <a:alpha val="40000"/>
+              </a:srgbClr>
+            </a:outerShdw>
+          </a:effectLst>
+          <a:scene3d>
+            <a:camera prst="orthographicFront"/>
+            <a:lightRig rig="twoPt" dir="t">
+              <a:rot lat="0" lon="0" rev="7200000"/>
+            </a:lightRig>
+          </a:scene3d>
+          <a:sp3d>
+            <a:bevelT w="25400" h="19050"/>
+            <a:contourClr>
+              <a:srgbClr val="FFFFFF"/>
+            </a:contourClr>
+          </a:sp3d>
+        </p:spPr>
+      </p:pic>
+      <p:sp>
+        <p:nvSpPr>
+          <p:cNvPr id="22" name="TextBox 21"/>
+          <p:cNvSpPr txBox="1"/>
+          <p:nvPr/>
+        </p:nvSpPr>
+        <p:spPr>
+          <a:xfrm>
+            <a:off x="3659618" y="1574006"/>
+            <a:ext cx="1285722" cy="369332"/>
+          </a:xfrm>
+          <a:prstGeom prst="rect">
+            <a:avLst/>
+          </a:prstGeom>
+          <a:noFill/>
+        </p:spPr>
+        <p:txBody>
+          <a:bodyPr wrap="square" rtlCol="0">
+            <a:spAutoFit/>
+          </a:bodyPr>
+          <a:lstStyle/>
+          <a:p>
+            <a:r>
+              <a:rPr lang="en-US" dirty="0" smtClean="0">
+                <a:latin typeface="Bernard MT Condensed" panose="02050806060905020404" pitchFamily="18" charset="0"/>
+              </a:rPr>
+              <a:t>Regulator</a:t>
+            </a:r>
+            <a:endParaRPr lang="en-US" dirty="0">
+              <a:latin typeface="Bernard MT Condensed" panose="02050806060905020404" pitchFamily="18" charset="0"/>
+            </a:endParaRPr>
           </a:p>
         </p:txBody>
       </p:sp>
@@ -4303,12 +6881,887 @@
   <p:clrMapOvr>
     <a:masterClrMapping/>
   </p:clrMapOvr>
+  <mc:AlternateContent xmlns:mc="http://schemas.openxmlformats.org/markup-compatibility/2006">
+    <mc:Choice xmlns:p14="http://schemas.microsoft.com/office/powerpoint/2010/main" Requires="p14">
+      <p:transition spd="med" p14:dur="700">
+        <p:fade/>
+      </p:transition>
+    </mc:Choice>
+    <mc:Fallback>
+      <p:transition spd="med">
+        <p:fade/>
+      </p:transition>
+    </mc:Fallback>
+  </mc:AlternateContent>
   <p:timing>
     <p:tnLst>
       <p:par>
-        <p:cTn id="1" dur="indefinite" restart="never" nodeType="tmRoot"/>
+        <p:cTn id="1" dur="indefinite" restart="never" nodeType="tmRoot">
+          <p:childTnLst>
+            <p:seq concurrent="1" nextAc="seek">
+              <p:cTn id="2" dur="indefinite" nodeType="mainSeq">
+                <p:childTnLst>
+                  <p:par>
+                    <p:cTn id="3" fill="hold">
+                      <p:stCondLst>
+                        <p:cond delay="indefinite"/>
+                      </p:stCondLst>
+                      <p:childTnLst>
+                        <p:par>
+                          <p:cTn id="4" fill="hold">
+                            <p:stCondLst>
+                              <p:cond delay="0"/>
+                            </p:stCondLst>
+                            <p:childTnLst>
+                              <p:par>
+                                <p:cTn id="5" presetID="1" presetClass="entr" presetSubtype="0" fill="hold" grpId="0" nodeType="clickEffect">
+                                  <p:stCondLst>
+                                    <p:cond delay="0"/>
+                                  </p:stCondLst>
+                                  <p:childTnLst>
+                                    <p:set>
+                                      <p:cBhvr>
+                                        <p:cTn id="6" dur="1" fill="hold">
+                                          <p:stCondLst>
+                                            <p:cond delay="0"/>
+                                          </p:stCondLst>
+                                        </p:cTn>
+                                        <p:tgtEl>
+                                          <p:spTgt spid="10"/>
+                                        </p:tgtEl>
+                                        <p:attrNameLst>
+                                          <p:attrName>style.visibility</p:attrName>
+                                        </p:attrNameLst>
+                                      </p:cBhvr>
+                                      <p:to>
+                                        <p:strVal val="visible"/>
+                                      </p:to>
+                                    </p:set>
+                                  </p:childTnLst>
+                                </p:cTn>
+                              </p:par>
+                              <p:par>
+                                <p:cTn id="7" presetID="1" presetClass="entr" presetSubtype="0" fill="hold" grpId="0" nodeType="withEffect">
+                                  <p:stCondLst>
+                                    <p:cond delay="0"/>
+                                  </p:stCondLst>
+                                  <p:childTnLst>
+                                    <p:set>
+                                      <p:cBhvr>
+                                        <p:cTn id="8" dur="1" fill="hold">
+                                          <p:stCondLst>
+                                            <p:cond delay="0"/>
+                                          </p:stCondLst>
+                                        </p:cTn>
+                                        <p:tgtEl>
+                                          <p:spTgt spid="11"/>
+                                        </p:tgtEl>
+                                        <p:attrNameLst>
+                                          <p:attrName>style.visibility</p:attrName>
+                                        </p:attrNameLst>
+                                      </p:cBhvr>
+                                      <p:to>
+                                        <p:strVal val="visible"/>
+                                      </p:to>
+                                    </p:set>
+                                  </p:childTnLst>
+                                </p:cTn>
+                              </p:par>
+                            </p:childTnLst>
+                          </p:cTn>
+                        </p:par>
+                      </p:childTnLst>
+                    </p:cTn>
+                  </p:par>
+                  <p:par>
+                    <p:cTn id="9" fill="hold">
+                      <p:stCondLst>
+                        <p:cond delay="indefinite"/>
+                      </p:stCondLst>
+                      <p:childTnLst>
+                        <p:par>
+                          <p:cTn id="10" fill="hold">
+                            <p:stCondLst>
+                              <p:cond delay="0"/>
+                            </p:stCondLst>
+                            <p:childTnLst>
+                              <p:par>
+                                <p:cTn id="11" presetID="1" presetClass="entr" presetSubtype="0" fill="hold" grpId="0" nodeType="clickEffect">
+                                  <p:stCondLst>
+                                    <p:cond delay="0"/>
+                                  </p:stCondLst>
+                                  <p:childTnLst>
+                                    <p:set>
+                                      <p:cBhvr>
+                                        <p:cTn id="12" dur="1" fill="hold">
+                                          <p:stCondLst>
+                                            <p:cond delay="0"/>
+                                          </p:stCondLst>
+                                        </p:cTn>
+                                        <p:tgtEl>
+                                          <p:spTgt spid="16"/>
+                                        </p:tgtEl>
+                                        <p:attrNameLst>
+                                          <p:attrName>style.visibility</p:attrName>
+                                        </p:attrNameLst>
+                                      </p:cBhvr>
+                                      <p:to>
+                                        <p:strVal val="visible"/>
+                                      </p:to>
+                                    </p:set>
+                                  </p:childTnLst>
+                                </p:cTn>
+                              </p:par>
+                              <p:par>
+                                <p:cTn id="13" presetID="1" presetClass="entr" presetSubtype="0" fill="hold" grpId="0" nodeType="withEffect">
+                                  <p:stCondLst>
+                                    <p:cond delay="0"/>
+                                  </p:stCondLst>
+                                  <p:childTnLst>
+                                    <p:set>
+                                      <p:cBhvr>
+                                        <p:cTn id="14" dur="1" fill="hold">
+                                          <p:stCondLst>
+                                            <p:cond delay="0"/>
+                                          </p:stCondLst>
+                                        </p:cTn>
+                                        <p:tgtEl>
+                                          <p:spTgt spid="17"/>
+                                        </p:tgtEl>
+                                        <p:attrNameLst>
+                                          <p:attrName>style.visibility</p:attrName>
+                                        </p:attrNameLst>
+                                      </p:cBhvr>
+                                      <p:to>
+                                        <p:strVal val="visible"/>
+                                      </p:to>
+                                    </p:set>
+                                  </p:childTnLst>
+                                </p:cTn>
+                              </p:par>
+                            </p:childTnLst>
+                          </p:cTn>
+                        </p:par>
+                      </p:childTnLst>
+                    </p:cTn>
+                  </p:par>
+                  <p:par>
+                    <p:cTn id="15" fill="hold">
+                      <p:stCondLst>
+                        <p:cond delay="indefinite"/>
+                      </p:stCondLst>
+                      <p:childTnLst>
+                        <p:par>
+                          <p:cTn id="16" fill="hold">
+                            <p:stCondLst>
+                              <p:cond delay="0"/>
+                            </p:stCondLst>
+                            <p:childTnLst>
+                              <p:par>
+                                <p:cTn id="17" presetID="1" presetClass="entr" presetSubtype="0" fill="hold" grpId="0" nodeType="clickEffect">
+                                  <p:stCondLst>
+                                    <p:cond delay="0"/>
+                                  </p:stCondLst>
+                                  <p:childTnLst>
+                                    <p:set>
+                                      <p:cBhvr>
+                                        <p:cTn id="18" dur="1" fill="hold">
+                                          <p:stCondLst>
+                                            <p:cond delay="0"/>
+                                          </p:stCondLst>
+                                        </p:cTn>
+                                        <p:tgtEl>
+                                          <p:spTgt spid="14"/>
+                                        </p:tgtEl>
+                                        <p:attrNameLst>
+                                          <p:attrName>style.visibility</p:attrName>
+                                        </p:attrNameLst>
+                                      </p:cBhvr>
+                                      <p:to>
+                                        <p:strVal val="visible"/>
+                                      </p:to>
+                                    </p:set>
+                                  </p:childTnLst>
+                                </p:cTn>
+                              </p:par>
+                              <p:par>
+                                <p:cTn id="19" presetID="1" presetClass="entr" presetSubtype="0" fill="hold" grpId="0" nodeType="withEffect">
+                                  <p:stCondLst>
+                                    <p:cond delay="0"/>
+                                  </p:stCondLst>
+                                  <p:childTnLst>
+                                    <p:set>
+                                      <p:cBhvr>
+                                        <p:cTn id="20" dur="1" fill="hold">
+                                          <p:stCondLst>
+                                            <p:cond delay="0"/>
+                                          </p:stCondLst>
+                                        </p:cTn>
+                                        <p:tgtEl>
+                                          <p:spTgt spid="15"/>
+                                        </p:tgtEl>
+                                        <p:attrNameLst>
+                                          <p:attrName>style.visibility</p:attrName>
+                                        </p:attrNameLst>
+                                      </p:cBhvr>
+                                      <p:to>
+                                        <p:strVal val="visible"/>
+                                      </p:to>
+                                    </p:set>
+                                  </p:childTnLst>
+                                </p:cTn>
+                              </p:par>
+                            </p:childTnLst>
+                          </p:cTn>
+                        </p:par>
+                      </p:childTnLst>
+                    </p:cTn>
+                  </p:par>
+                  <p:par>
+                    <p:cTn id="21" fill="hold">
+                      <p:stCondLst>
+                        <p:cond delay="indefinite"/>
+                      </p:stCondLst>
+                      <p:childTnLst>
+                        <p:par>
+                          <p:cTn id="22" fill="hold">
+                            <p:stCondLst>
+                              <p:cond delay="0"/>
+                            </p:stCondLst>
+                            <p:childTnLst>
+                              <p:par>
+                                <p:cTn id="23" presetID="1" presetClass="entr" presetSubtype="0" fill="hold" grpId="0" nodeType="clickEffect">
+                                  <p:stCondLst>
+                                    <p:cond delay="0"/>
+                                  </p:stCondLst>
+                                  <p:childTnLst>
+                                    <p:set>
+                                      <p:cBhvr>
+                                        <p:cTn id="24" dur="1" fill="hold">
+                                          <p:stCondLst>
+                                            <p:cond delay="0"/>
+                                          </p:stCondLst>
+                                        </p:cTn>
+                                        <p:tgtEl>
+                                          <p:spTgt spid="12"/>
+                                        </p:tgtEl>
+                                        <p:attrNameLst>
+                                          <p:attrName>style.visibility</p:attrName>
+                                        </p:attrNameLst>
+                                      </p:cBhvr>
+                                      <p:to>
+                                        <p:strVal val="visible"/>
+                                      </p:to>
+                                    </p:set>
+                                  </p:childTnLst>
+                                </p:cTn>
+                              </p:par>
+                              <p:par>
+                                <p:cTn id="25" presetID="1" presetClass="entr" presetSubtype="0" fill="hold" grpId="0" nodeType="withEffect">
+                                  <p:stCondLst>
+                                    <p:cond delay="0"/>
+                                  </p:stCondLst>
+                                  <p:childTnLst>
+                                    <p:set>
+                                      <p:cBhvr>
+                                        <p:cTn id="26" dur="1" fill="hold">
+                                          <p:stCondLst>
+                                            <p:cond delay="0"/>
+                                          </p:stCondLst>
+                                        </p:cTn>
+                                        <p:tgtEl>
+                                          <p:spTgt spid="13"/>
+                                        </p:tgtEl>
+                                        <p:attrNameLst>
+                                          <p:attrName>style.visibility</p:attrName>
+                                        </p:attrNameLst>
+                                      </p:cBhvr>
+                                      <p:to>
+                                        <p:strVal val="visible"/>
+                                      </p:to>
+                                    </p:set>
+                                  </p:childTnLst>
+                                </p:cTn>
+                              </p:par>
+                            </p:childTnLst>
+                          </p:cTn>
+                        </p:par>
+                      </p:childTnLst>
+                    </p:cTn>
+                  </p:par>
+                  <p:par>
+                    <p:cTn id="27" fill="hold">
+                      <p:stCondLst>
+                        <p:cond delay="indefinite"/>
+                      </p:stCondLst>
+                      <p:childTnLst>
+                        <p:par>
+                          <p:cTn id="28" fill="hold">
+                            <p:stCondLst>
+                              <p:cond delay="0"/>
+                            </p:stCondLst>
+                            <p:childTnLst>
+                              <p:par>
+                                <p:cTn id="29" presetID="1" presetClass="entr" presetSubtype="0" fill="hold" grpId="0" nodeType="clickEffect">
+                                  <p:stCondLst>
+                                    <p:cond delay="0"/>
+                                  </p:stCondLst>
+                                  <p:childTnLst>
+                                    <p:set>
+                                      <p:cBhvr>
+                                        <p:cTn id="30" dur="1" fill="hold">
+                                          <p:stCondLst>
+                                            <p:cond delay="0"/>
+                                          </p:stCondLst>
+                                        </p:cTn>
+                                        <p:tgtEl>
+                                          <p:spTgt spid="19"/>
+                                        </p:tgtEl>
+                                        <p:attrNameLst>
+                                          <p:attrName>style.visibility</p:attrName>
+                                        </p:attrNameLst>
+                                      </p:cBhvr>
+                                      <p:to>
+                                        <p:strVal val="visible"/>
+                                      </p:to>
+                                    </p:set>
+                                  </p:childTnLst>
+                                </p:cTn>
+                              </p:par>
+                              <p:par>
+                                <p:cTn id="31" presetID="1" presetClass="entr" presetSubtype="0" fill="hold" grpId="0" nodeType="withEffect">
+                                  <p:stCondLst>
+                                    <p:cond delay="0"/>
+                                  </p:stCondLst>
+                                  <p:childTnLst>
+                                    <p:set>
+                                      <p:cBhvr>
+                                        <p:cTn id="32" dur="1" fill="hold">
+                                          <p:stCondLst>
+                                            <p:cond delay="0"/>
+                                          </p:stCondLst>
+                                        </p:cTn>
+                                        <p:tgtEl>
+                                          <p:spTgt spid="20"/>
+                                        </p:tgtEl>
+                                        <p:attrNameLst>
+                                          <p:attrName>style.visibility</p:attrName>
+                                        </p:attrNameLst>
+                                      </p:cBhvr>
+                                      <p:to>
+                                        <p:strVal val="visible"/>
+                                      </p:to>
+                                    </p:set>
+                                  </p:childTnLst>
+                                </p:cTn>
+                              </p:par>
+                            </p:childTnLst>
+                          </p:cTn>
+                        </p:par>
+                      </p:childTnLst>
+                    </p:cTn>
+                  </p:par>
+                  <p:par>
+                    <p:cTn id="33" fill="hold">
+                      <p:stCondLst>
+                        <p:cond delay="indefinite"/>
+                      </p:stCondLst>
+                      <p:childTnLst>
+                        <p:par>
+                          <p:cTn id="34" fill="hold">
+                            <p:stCondLst>
+                              <p:cond delay="0"/>
+                            </p:stCondLst>
+                            <p:childTnLst>
+                              <p:par>
+                                <p:cTn id="35" presetID="1" presetClass="entr" presetSubtype="0" fill="hold" grpId="0" nodeType="clickEffect">
+                                  <p:stCondLst>
+                                    <p:cond delay="0"/>
+                                  </p:stCondLst>
+                                  <p:childTnLst>
+                                    <p:set>
+                                      <p:cBhvr>
+                                        <p:cTn id="36" dur="1" fill="hold">
+                                          <p:stCondLst>
+                                            <p:cond delay="0"/>
+                                          </p:stCondLst>
+                                        </p:cTn>
+                                        <p:tgtEl>
+                                          <p:spTgt spid="22"/>
+                                        </p:tgtEl>
+                                        <p:attrNameLst>
+                                          <p:attrName>style.visibility</p:attrName>
+                                        </p:attrNameLst>
+                                      </p:cBhvr>
+                                      <p:to>
+                                        <p:strVal val="visible"/>
+                                      </p:to>
+                                    </p:set>
+                                  </p:childTnLst>
+                                </p:cTn>
+                              </p:par>
+                              <p:par>
+                                <p:cTn id="37" presetID="10" presetClass="exit" presetSubtype="0" fill="hold" nodeType="withEffect">
+                                  <p:stCondLst>
+                                    <p:cond delay="0"/>
+                                  </p:stCondLst>
+                                  <p:childTnLst>
+                                    <p:animEffect transition="out" filter="fade">
+                                      <p:cBhvr>
+                                        <p:cTn id="38" dur="500"/>
+                                        <p:tgtEl>
+                                          <p:spTgt spid="7"/>
+                                        </p:tgtEl>
+                                      </p:cBhvr>
+                                    </p:animEffect>
+                                    <p:set>
+                                      <p:cBhvr>
+                                        <p:cTn id="39" dur="1" fill="hold">
+                                          <p:stCondLst>
+                                            <p:cond delay="499"/>
+                                          </p:stCondLst>
+                                        </p:cTn>
+                                        <p:tgtEl>
+                                          <p:spTgt spid="7"/>
+                                        </p:tgtEl>
+                                        <p:attrNameLst>
+                                          <p:attrName>style.visibility</p:attrName>
+                                        </p:attrNameLst>
+                                      </p:cBhvr>
+                                      <p:to>
+                                        <p:strVal val="hidden"/>
+                                      </p:to>
+                                    </p:set>
+                                  </p:childTnLst>
+                                </p:cTn>
+                              </p:par>
+                              <p:par>
+                                <p:cTn id="40" presetID="10" presetClass="exit" presetSubtype="0" fill="hold" grpId="1" nodeType="withEffect">
+                                  <p:stCondLst>
+                                    <p:cond delay="0"/>
+                                  </p:stCondLst>
+                                  <p:childTnLst>
+                                    <p:animEffect transition="out" filter="fade">
+                                      <p:cBhvr>
+                                        <p:cTn id="41" dur="500"/>
+                                        <p:tgtEl>
+                                          <p:spTgt spid="19"/>
+                                        </p:tgtEl>
+                                      </p:cBhvr>
+                                    </p:animEffect>
+                                    <p:set>
+                                      <p:cBhvr>
+                                        <p:cTn id="42" dur="1" fill="hold">
+                                          <p:stCondLst>
+                                            <p:cond delay="499"/>
+                                          </p:stCondLst>
+                                        </p:cTn>
+                                        <p:tgtEl>
+                                          <p:spTgt spid="19"/>
+                                        </p:tgtEl>
+                                        <p:attrNameLst>
+                                          <p:attrName>style.visibility</p:attrName>
+                                        </p:attrNameLst>
+                                      </p:cBhvr>
+                                      <p:to>
+                                        <p:strVal val="hidden"/>
+                                      </p:to>
+                                    </p:set>
+                                  </p:childTnLst>
+                                </p:cTn>
+                              </p:par>
+                              <p:par>
+                                <p:cTn id="43" presetID="10" presetClass="exit" presetSubtype="0" fill="hold" grpId="1" nodeType="withEffect">
+                                  <p:stCondLst>
+                                    <p:cond delay="0"/>
+                                  </p:stCondLst>
+                                  <p:childTnLst>
+                                    <p:animEffect transition="out" filter="fade">
+                                      <p:cBhvr>
+                                        <p:cTn id="44" dur="500"/>
+                                        <p:tgtEl>
+                                          <p:spTgt spid="20"/>
+                                        </p:tgtEl>
+                                      </p:cBhvr>
+                                    </p:animEffect>
+                                    <p:set>
+                                      <p:cBhvr>
+                                        <p:cTn id="45" dur="1" fill="hold">
+                                          <p:stCondLst>
+                                            <p:cond delay="499"/>
+                                          </p:stCondLst>
+                                        </p:cTn>
+                                        <p:tgtEl>
+                                          <p:spTgt spid="20"/>
+                                        </p:tgtEl>
+                                        <p:attrNameLst>
+                                          <p:attrName>style.visibility</p:attrName>
+                                        </p:attrNameLst>
+                                      </p:cBhvr>
+                                      <p:to>
+                                        <p:strVal val="hidden"/>
+                                      </p:to>
+                                    </p:set>
+                                  </p:childTnLst>
+                                </p:cTn>
+                              </p:par>
+                              <p:par>
+                                <p:cTn id="46" presetID="10" presetClass="exit" presetSubtype="0" fill="hold" grpId="1" nodeType="withEffect">
+                                  <p:stCondLst>
+                                    <p:cond delay="0"/>
+                                  </p:stCondLst>
+                                  <p:childTnLst>
+                                    <p:animEffect transition="out" filter="fade">
+                                      <p:cBhvr>
+                                        <p:cTn id="47" dur="500"/>
+                                        <p:tgtEl>
+                                          <p:spTgt spid="14"/>
+                                        </p:tgtEl>
+                                      </p:cBhvr>
+                                    </p:animEffect>
+                                    <p:set>
+                                      <p:cBhvr>
+                                        <p:cTn id="48" dur="1" fill="hold">
+                                          <p:stCondLst>
+                                            <p:cond delay="499"/>
+                                          </p:stCondLst>
+                                        </p:cTn>
+                                        <p:tgtEl>
+                                          <p:spTgt spid="14"/>
+                                        </p:tgtEl>
+                                        <p:attrNameLst>
+                                          <p:attrName>style.visibility</p:attrName>
+                                        </p:attrNameLst>
+                                      </p:cBhvr>
+                                      <p:to>
+                                        <p:strVal val="hidden"/>
+                                      </p:to>
+                                    </p:set>
+                                  </p:childTnLst>
+                                </p:cTn>
+                              </p:par>
+                              <p:par>
+                                <p:cTn id="49" presetID="10" presetClass="exit" presetSubtype="0" fill="hold" grpId="1" nodeType="withEffect">
+                                  <p:stCondLst>
+                                    <p:cond delay="0"/>
+                                  </p:stCondLst>
+                                  <p:childTnLst>
+                                    <p:animEffect transition="out" filter="fade">
+                                      <p:cBhvr>
+                                        <p:cTn id="50" dur="500"/>
+                                        <p:tgtEl>
+                                          <p:spTgt spid="15"/>
+                                        </p:tgtEl>
+                                      </p:cBhvr>
+                                    </p:animEffect>
+                                    <p:set>
+                                      <p:cBhvr>
+                                        <p:cTn id="51" dur="1" fill="hold">
+                                          <p:stCondLst>
+                                            <p:cond delay="499"/>
+                                          </p:stCondLst>
+                                        </p:cTn>
+                                        <p:tgtEl>
+                                          <p:spTgt spid="15"/>
+                                        </p:tgtEl>
+                                        <p:attrNameLst>
+                                          <p:attrName>style.visibility</p:attrName>
+                                        </p:attrNameLst>
+                                      </p:cBhvr>
+                                      <p:to>
+                                        <p:strVal val="hidden"/>
+                                      </p:to>
+                                    </p:set>
+                                  </p:childTnLst>
+                                </p:cTn>
+                              </p:par>
+                              <p:par>
+                                <p:cTn id="52" presetID="10" presetClass="exit" presetSubtype="0" fill="hold" grpId="1" nodeType="withEffect">
+                                  <p:stCondLst>
+                                    <p:cond delay="0"/>
+                                  </p:stCondLst>
+                                  <p:childTnLst>
+                                    <p:animEffect transition="out" filter="fade">
+                                      <p:cBhvr>
+                                        <p:cTn id="53" dur="500"/>
+                                        <p:tgtEl>
+                                          <p:spTgt spid="12"/>
+                                        </p:tgtEl>
+                                      </p:cBhvr>
+                                    </p:animEffect>
+                                    <p:set>
+                                      <p:cBhvr>
+                                        <p:cTn id="54" dur="1" fill="hold">
+                                          <p:stCondLst>
+                                            <p:cond delay="499"/>
+                                          </p:stCondLst>
+                                        </p:cTn>
+                                        <p:tgtEl>
+                                          <p:spTgt spid="12"/>
+                                        </p:tgtEl>
+                                        <p:attrNameLst>
+                                          <p:attrName>style.visibility</p:attrName>
+                                        </p:attrNameLst>
+                                      </p:cBhvr>
+                                      <p:to>
+                                        <p:strVal val="hidden"/>
+                                      </p:to>
+                                    </p:set>
+                                  </p:childTnLst>
+                                </p:cTn>
+                              </p:par>
+                              <p:par>
+                                <p:cTn id="55" presetID="10" presetClass="exit" presetSubtype="0" fill="hold" grpId="1" nodeType="withEffect">
+                                  <p:stCondLst>
+                                    <p:cond delay="0"/>
+                                  </p:stCondLst>
+                                  <p:childTnLst>
+                                    <p:animEffect transition="out" filter="fade">
+                                      <p:cBhvr>
+                                        <p:cTn id="56" dur="500"/>
+                                        <p:tgtEl>
+                                          <p:spTgt spid="13"/>
+                                        </p:tgtEl>
+                                      </p:cBhvr>
+                                    </p:animEffect>
+                                    <p:set>
+                                      <p:cBhvr>
+                                        <p:cTn id="57" dur="1" fill="hold">
+                                          <p:stCondLst>
+                                            <p:cond delay="499"/>
+                                          </p:stCondLst>
+                                        </p:cTn>
+                                        <p:tgtEl>
+                                          <p:spTgt spid="13"/>
+                                        </p:tgtEl>
+                                        <p:attrNameLst>
+                                          <p:attrName>style.visibility</p:attrName>
+                                        </p:attrNameLst>
+                                      </p:cBhvr>
+                                      <p:to>
+                                        <p:strVal val="hidden"/>
+                                      </p:to>
+                                    </p:set>
+                                  </p:childTnLst>
+                                </p:cTn>
+                              </p:par>
+                              <p:par>
+                                <p:cTn id="58" presetID="10" presetClass="exit" presetSubtype="0" fill="hold" grpId="1" nodeType="withEffect">
+                                  <p:stCondLst>
+                                    <p:cond delay="0"/>
+                                  </p:stCondLst>
+                                  <p:childTnLst>
+                                    <p:animEffect transition="out" filter="fade">
+                                      <p:cBhvr>
+                                        <p:cTn id="59" dur="500"/>
+                                        <p:tgtEl>
+                                          <p:spTgt spid="16"/>
+                                        </p:tgtEl>
+                                      </p:cBhvr>
+                                    </p:animEffect>
+                                    <p:set>
+                                      <p:cBhvr>
+                                        <p:cTn id="60" dur="1" fill="hold">
+                                          <p:stCondLst>
+                                            <p:cond delay="499"/>
+                                          </p:stCondLst>
+                                        </p:cTn>
+                                        <p:tgtEl>
+                                          <p:spTgt spid="16"/>
+                                        </p:tgtEl>
+                                        <p:attrNameLst>
+                                          <p:attrName>style.visibility</p:attrName>
+                                        </p:attrNameLst>
+                                      </p:cBhvr>
+                                      <p:to>
+                                        <p:strVal val="hidden"/>
+                                      </p:to>
+                                    </p:set>
+                                  </p:childTnLst>
+                                </p:cTn>
+                              </p:par>
+                              <p:par>
+                                <p:cTn id="61" presetID="10" presetClass="exit" presetSubtype="0" fill="hold" grpId="1" nodeType="withEffect">
+                                  <p:stCondLst>
+                                    <p:cond delay="0"/>
+                                  </p:stCondLst>
+                                  <p:childTnLst>
+                                    <p:animEffect transition="out" filter="fade">
+                                      <p:cBhvr>
+                                        <p:cTn id="62" dur="500"/>
+                                        <p:tgtEl>
+                                          <p:spTgt spid="17"/>
+                                        </p:tgtEl>
+                                      </p:cBhvr>
+                                    </p:animEffect>
+                                    <p:set>
+                                      <p:cBhvr>
+                                        <p:cTn id="63" dur="1" fill="hold">
+                                          <p:stCondLst>
+                                            <p:cond delay="499"/>
+                                          </p:stCondLst>
+                                        </p:cTn>
+                                        <p:tgtEl>
+                                          <p:spTgt spid="17"/>
+                                        </p:tgtEl>
+                                        <p:attrNameLst>
+                                          <p:attrName>style.visibility</p:attrName>
+                                        </p:attrNameLst>
+                                      </p:cBhvr>
+                                      <p:to>
+                                        <p:strVal val="hidden"/>
+                                      </p:to>
+                                    </p:set>
+                                  </p:childTnLst>
+                                </p:cTn>
+                              </p:par>
+                              <p:par>
+                                <p:cTn id="64" presetID="10" presetClass="exit" presetSubtype="0" fill="hold" grpId="1" nodeType="withEffect">
+                                  <p:stCondLst>
+                                    <p:cond delay="0"/>
+                                  </p:stCondLst>
+                                  <p:childTnLst>
+                                    <p:animEffect transition="out" filter="fade">
+                                      <p:cBhvr>
+                                        <p:cTn id="65" dur="500"/>
+                                        <p:tgtEl>
+                                          <p:spTgt spid="10"/>
+                                        </p:tgtEl>
+                                      </p:cBhvr>
+                                    </p:animEffect>
+                                    <p:set>
+                                      <p:cBhvr>
+                                        <p:cTn id="66" dur="1" fill="hold">
+                                          <p:stCondLst>
+                                            <p:cond delay="499"/>
+                                          </p:stCondLst>
+                                        </p:cTn>
+                                        <p:tgtEl>
+                                          <p:spTgt spid="10"/>
+                                        </p:tgtEl>
+                                        <p:attrNameLst>
+                                          <p:attrName>style.visibility</p:attrName>
+                                        </p:attrNameLst>
+                                      </p:cBhvr>
+                                      <p:to>
+                                        <p:strVal val="hidden"/>
+                                      </p:to>
+                                    </p:set>
+                                  </p:childTnLst>
+                                </p:cTn>
+                              </p:par>
+                              <p:par>
+                                <p:cTn id="67" presetID="10" presetClass="exit" presetSubtype="0" fill="hold" grpId="1" nodeType="withEffect">
+                                  <p:stCondLst>
+                                    <p:cond delay="0"/>
+                                  </p:stCondLst>
+                                  <p:childTnLst>
+                                    <p:animEffect transition="out" filter="fade">
+                                      <p:cBhvr>
+                                        <p:cTn id="68" dur="500"/>
+                                        <p:tgtEl>
+                                          <p:spTgt spid="11"/>
+                                        </p:tgtEl>
+                                      </p:cBhvr>
+                                    </p:animEffect>
+                                    <p:set>
+                                      <p:cBhvr>
+                                        <p:cTn id="69" dur="1" fill="hold">
+                                          <p:stCondLst>
+                                            <p:cond delay="499"/>
+                                          </p:stCondLst>
+                                        </p:cTn>
+                                        <p:tgtEl>
+                                          <p:spTgt spid="11"/>
+                                        </p:tgtEl>
+                                        <p:attrNameLst>
+                                          <p:attrName>style.visibility</p:attrName>
+                                        </p:attrNameLst>
+                                      </p:cBhvr>
+                                      <p:to>
+                                        <p:strVal val="hidden"/>
+                                      </p:to>
+                                    </p:set>
+                                  </p:childTnLst>
+                                </p:cTn>
+                              </p:par>
+                              <p:par>
+                                <p:cTn id="70" presetID="1" presetClass="entr" presetSubtype="0" fill="hold" nodeType="withEffect">
+                                  <p:stCondLst>
+                                    <p:cond delay="0"/>
+                                  </p:stCondLst>
+                                  <p:childTnLst>
+                                    <p:set>
+                                      <p:cBhvr>
+                                        <p:cTn id="71" dur="1" fill="hold">
+                                          <p:stCondLst>
+                                            <p:cond delay="0"/>
+                                          </p:stCondLst>
+                                        </p:cTn>
+                                        <p:tgtEl>
+                                          <p:spTgt spid="21"/>
+                                        </p:tgtEl>
+                                        <p:attrNameLst>
+                                          <p:attrName>style.visibility</p:attrName>
+                                        </p:attrNameLst>
+                                      </p:cBhvr>
+                                      <p:to>
+                                        <p:strVal val="visible"/>
+                                      </p:to>
+                                    </p:set>
+                                  </p:childTnLst>
+                                </p:cTn>
+                              </p:par>
+                            </p:childTnLst>
+                          </p:cTn>
+                        </p:par>
+                      </p:childTnLst>
+                    </p:cTn>
+                  </p:par>
+                </p:childTnLst>
+              </p:cTn>
+              <p:prevCondLst>
+                <p:cond evt="onPrev" delay="0">
+                  <p:tgtEl>
+                    <p:sldTgt/>
+                  </p:tgtEl>
+                </p:cond>
+              </p:prevCondLst>
+              <p:nextCondLst>
+                <p:cond evt="onNext" delay="0">
+                  <p:tgtEl>
+                    <p:sldTgt/>
+                  </p:tgtEl>
+                </p:cond>
+              </p:nextCondLst>
+            </p:seq>
+          </p:childTnLst>
+        </p:cTn>
       </p:par>
     </p:tnLst>
+    <p:bldLst>
+      <p:bldP spid="10" grpId="0" animBg="1"/>
+      <p:bldP spid="10" grpId="1" animBg="1"/>
+      <p:bldP spid="11" grpId="0"/>
+      <p:bldP spid="11" grpId="1"/>
+      <p:bldP spid="12" grpId="0" animBg="1"/>
+      <p:bldP spid="12" grpId="1" animBg="1"/>
+      <p:bldP spid="13" grpId="0"/>
+      <p:bldP spid="13" grpId="1"/>
+      <p:bldP spid="14" grpId="0" animBg="1"/>
+      <p:bldP spid="14" grpId="1" animBg="1"/>
+      <p:bldP spid="15" grpId="0"/>
+      <p:bldP spid="15" grpId="1"/>
+      <p:bldP spid="16" grpId="0" animBg="1"/>
+      <p:bldP spid="16" grpId="1" animBg="1"/>
+      <p:bldP spid="17" grpId="0"/>
+      <p:bldP spid="17" grpId="1"/>
+      <p:bldP spid="19" grpId="0" animBg="1"/>
+      <p:bldP spid="19" grpId="1" animBg="1"/>
+      <p:bldP spid="20" grpId="0"/>
+      <p:bldP spid="20" grpId="1"/>
+      <p:bldP spid="22" grpId="0"/>
+    </p:bldLst>
   </p:timing>
 </p:sld>
 </file>
@@ -4340,7 +7793,12 @@
             <p:ph type="title"/>
           </p:nvPr>
         </p:nvSpPr>
-        <p:spPr/>
+        <p:spPr>
+          <a:xfrm>
+            <a:off x="946404" y="365760"/>
+            <a:ext cx="7269480" cy="720090"/>
+          </a:xfrm>
+        </p:spPr>
         <p:txBody>
           <a:bodyPr/>
           <a:lstStyle/>
@@ -4353,35 +7811,57 @@
           </a:p>
         </p:txBody>
       </p:sp>
-      <p:sp>
-        <p:nvSpPr>
-          <p:cNvPr id="3" name="Content Placeholder 2"/>
-          <p:cNvSpPr>
-            <a:spLocks noGrp="1"/>
-          </p:cNvSpPr>
+      <p:pic>
+        <p:nvPicPr>
+          <p:cNvPr id="4" name="Content Placeholder 3"/>
+          <p:cNvPicPr>
+            <a:picLocks noGrp="1" noChangeAspect="1"/>
+          </p:cNvPicPr>
           <p:nvPr>
             <p:ph idx="1"/>
           </p:nvPr>
-        </p:nvSpPr>
-        <p:spPr/>
-        <p:txBody>
-          <a:bodyPr/>
-          <a:lstStyle/>
-          <a:p>
-            <a:endParaRPr lang="en-US" dirty="0"/>
-          </a:p>
-        </p:txBody>
-      </p:sp>
+        </p:nvPicPr>
+        <p:blipFill>
+          <a:blip r:embed="rId3">
+            <a:extLst>
+              <a:ext uri="{28A0092B-C50C-407E-A947-70E740481C1C}">
+                <a14:useLocalDpi xmlns:a14="http://schemas.microsoft.com/office/drawing/2010/main" val="0"/>
+              </a:ext>
+            </a:extLst>
+          </a:blip>
+          <a:stretch>
+            <a:fillRect/>
+          </a:stretch>
+        </p:blipFill>
+        <p:spPr>
+          <a:xfrm>
+            <a:off x="280596" y="1190625"/>
+            <a:ext cx="7935288" cy="5391150"/>
+          </a:xfrm>
+        </p:spPr>
+      </p:pic>
     </p:spTree>
     <p:extLst>
       <p:ext uri="{BB962C8B-B14F-4D97-AF65-F5344CB8AC3E}">
-        <p14:creationId xmlns:p14="http://schemas.microsoft.com/office/powerpoint/2010/main" val="2577715849"/>
+        <p14:creationId xmlns:p14="http://schemas.microsoft.com/office/powerpoint/2010/main" val="4026444487"/>
       </p:ext>
     </p:extLst>
   </p:cSld>
   <p:clrMapOvr>
     <a:masterClrMapping/>
   </p:clrMapOvr>
+  <mc:AlternateContent xmlns:mc="http://schemas.openxmlformats.org/markup-compatibility/2006">
+    <mc:Choice xmlns:p14="http://schemas.microsoft.com/office/powerpoint/2010/main" Requires="p14">
+      <p:transition spd="med" p14:dur="700">
+        <p:fade/>
+      </p:transition>
+    </mc:Choice>
+    <mc:Fallback>
+      <p:transition spd="med">
+        <p:fade/>
+      </p:transition>
+    </mc:Fallback>
+  </mc:AlternateContent>
   <p:timing>
     <p:tnLst>
       <p:par>
@@ -4447,7 +7927,38 @@
           <a:bodyPr/>
           <a:lstStyle/>
           <a:p>
-            <a:endParaRPr lang="en-US"/>
+            <a:r>
+              <a:rPr lang="en-US" dirty="0" smtClean="0"/>
+              <a:t>Used processor on main Teensy board to process audio</a:t>
+            </a:r>
+          </a:p>
+          <a:p>
+            <a:r>
+              <a:rPr lang="en-US" dirty="0" smtClean="0"/>
+              <a:t>I2S between Teensy and Audio Board</a:t>
+            </a:r>
+          </a:p>
+          <a:p>
+            <a:r>
+              <a:rPr lang="en-US" dirty="0" smtClean="0"/>
+              <a:t>Changed GPIO pin</a:t>
+            </a:r>
+            <a:endParaRPr lang="en-US" dirty="0" smtClean="0"/>
+          </a:p>
+          <a:p>
+            <a:r>
+              <a:rPr lang="en-US" dirty="0" smtClean="0"/>
+              <a:t>Modified filter resonance and frequency sweep range to provide desired sound</a:t>
+            </a:r>
+          </a:p>
+          <a:p>
+            <a:pPr marL="0" indent="0">
+              <a:buNone/>
+            </a:pPr>
+            <a:endParaRPr lang="en-US" dirty="0" smtClean="0"/>
+          </a:p>
+          <a:p>
+            <a:endParaRPr lang="en-US" dirty="0"/>
           </a:p>
         </p:txBody>
       </p:sp>
@@ -4461,6 +7972,18 @@
   <p:clrMapOvr>
     <a:masterClrMapping/>
   </p:clrMapOvr>
+  <mc:AlternateContent xmlns:mc="http://schemas.openxmlformats.org/markup-compatibility/2006">
+    <mc:Choice xmlns:p14="http://schemas.microsoft.com/office/powerpoint/2010/main" Requires="p14">
+      <p:transition spd="med" p14:dur="700">
+        <p:fade/>
+      </p:transition>
+    </mc:Choice>
+    <mc:Fallback>
+      <p:transition spd="med">
+        <p:fade/>
+      </p:transition>
+    </mc:Fallback>
+  </mc:AlternateContent>
   <p:timing>
     <p:tnLst>
       <p:par>
@@ -4722,4 +8245,265 @@
     </a:ext>
   </a:extLst>
 </a:theme>
+</file>
+
+<file path=ppt/theme/theme2.xml><?xml version="1.0" encoding="utf-8"?>
+<a:theme xmlns:a="http://schemas.openxmlformats.org/drawingml/2006/main" name="Office Theme">
+  <a:themeElements>
+    <a:clrScheme name="Office">
+      <a:dk1>
+        <a:sysClr val="windowText" lastClr="000000"/>
+      </a:dk1>
+      <a:lt1>
+        <a:sysClr val="window" lastClr="FFFFFF"/>
+      </a:lt1>
+      <a:dk2>
+        <a:srgbClr val="44546A"/>
+      </a:dk2>
+      <a:lt2>
+        <a:srgbClr val="E7E6E6"/>
+      </a:lt2>
+      <a:accent1>
+        <a:srgbClr val="5B9BD5"/>
+      </a:accent1>
+      <a:accent2>
+        <a:srgbClr val="ED7D31"/>
+      </a:accent2>
+      <a:accent3>
+        <a:srgbClr val="A5A5A5"/>
+      </a:accent3>
+      <a:accent4>
+        <a:srgbClr val="FFC000"/>
+      </a:accent4>
+      <a:accent5>
+        <a:srgbClr val="4472C4"/>
+      </a:accent5>
+      <a:accent6>
+        <a:srgbClr val="70AD47"/>
+      </a:accent6>
+      <a:hlink>
+        <a:srgbClr val="0563C1"/>
+      </a:hlink>
+      <a:folHlink>
+        <a:srgbClr val="954F72"/>
+      </a:folHlink>
+    </a:clrScheme>
+    <a:fontScheme name="Office">
+      <a:majorFont>
+        <a:latin typeface="Calibri Light" panose="020F0302020204030204"/>
+        <a:ea typeface=""/>
+        <a:cs typeface=""/>
+        <a:font script="Jpan" typeface="游ゴシック Light"/>
+        <a:font script="Hang" typeface="맑은 고딕"/>
+        <a:font script="Hans" typeface="等线 Light"/>
+        <a:font script="Hant" typeface="新細明體"/>
+        <a:font script="Arab" typeface="Times New Roman"/>
+        <a:font script="Hebr" typeface="Times New Roman"/>
+        <a:font script="Thai" typeface="Angsana New"/>
+        <a:font script="Ethi" typeface="Nyala"/>
+        <a:font script="Beng" typeface="Vrinda"/>
+        <a:font script="Gujr" typeface="Shruti"/>
+        <a:font script="Khmr" typeface="MoolBoran"/>
+        <a:font script="Knda" typeface="Tunga"/>
+        <a:font script="Guru" typeface="Raavi"/>
+        <a:font script="Cans" typeface="Euphemia"/>
+        <a:font script="Cher" typeface="Plantagenet Cherokee"/>
+        <a:font script="Yiii" typeface="Microsoft Yi Baiti"/>
+        <a:font script="Tibt" typeface="Microsoft Himalaya"/>
+        <a:font script="Thaa" typeface="MV Boli"/>
+        <a:font script="Deva" typeface="Mangal"/>
+        <a:font script="Telu" typeface="Gautami"/>
+        <a:font script="Taml" typeface="Latha"/>
+        <a:font script="Syrc" typeface="Estrangelo Edessa"/>
+        <a:font script="Orya" typeface="Kalinga"/>
+        <a:font script="Mlym" typeface="Kartika"/>
+        <a:font script="Laoo" typeface="DokChampa"/>
+        <a:font script="Sinh" typeface="Iskoola Pota"/>
+        <a:font script="Mong" typeface="Mongolian Baiti"/>
+        <a:font script="Viet" typeface="Times New Roman"/>
+        <a:font script="Uigh" typeface="Microsoft Uighur"/>
+        <a:font script="Geor" typeface="Sylfaen"/>
+      </a:majorFont>
+      <a:minorFont>
+        <a:latin typeface="Calibri" panose="020F0502020204030204"/>
+        <a:ea typeface=""/>
+        <a:cs typeface=""/>
+        <a:font script="Jpan" typeface="游ゴシック"/>
+        <a:font script="Hang" typeface="맑은 고딕"/>
+        <a:font script="Hans" typeface="等线"/>
+        <a:font script="Hant" typeface="新細明體"/>
+        <a:font script="Arab" typeface="Arial"/>
+        <a:font script="Hebr" typeface="Arial"/>
+        <a:font script="Thai" typeface="Cordia New"/>
+        <a:font script="Ethi" typeface="Nyala"/>
+        <a:font script="Beng" typeface="Vrinda"/>
+        <a:font script="Gujr" typeface="Shruti"/>
+        <a:font script="Khmr" typeface="DaunPenh"/>
+        <a:font script="Knda" typeface="Tunga"/>
+        <a:font script="Guru" typeface="Raavi"/>
+        <a:font script="Cans" typeface="Euphemia"/>
+        <a:font script="Cher" typeface="Plantagenet Cherokee"/>
+        <a:font script="Yiii" typeface="Microsoft Yi Baiti"/>
+        <a:font script="Tibt" typeface="Microsoft Himalaya"/>
+        <a:font script="Thaa" typeface="MV Boli"/>
+        <a:font script="Deva" typeface="Mangal"/>
+        <a:font script="Telu" typeface="Gautami"/>
+        <a:font script="Taml" typeface="Latha"/>
+        <a:font script="Syrc" typeface="Estrangelo Edessa"/>
+        <a:font script="Orya" typeface="Kalinga"/>
+        <a:font script="Mlym" typeface="Kartika"/>
+        <a:font script="Laoo" typeface="DokChampa"/>
+        <a:font script="Sinh" typeface="Iskoola Pota"/>
+        <a:font script="Mong" typeface="Mongolian Baiti"/>
+        <a:font script="Viet" typeface="Arial"/>
+        <a:font script="Uigh" typeface="Microsoft Uighur"/>
+        <a:font script="Geor" typeface="Sylfaen"/>
+      </a:minorFont>
+    </a:fontScheme>
+    <a:fmtScheme name="Office">
+      <a:fillStyleLst>
+        <a:solidFill>
+          <a:schemeClr val="phClr"/>
+        </a:solidFill>
+        <a:gradFill rotWithShape="1">
+          <a:gsLst>
+            <a:gs pos="0">
+              <a:schemeClr val="phClr">
+                <a:lumMod val="110000"/>
+                <a:satMod val="105000"/>
+                <a:tint val="67000"/>
+              </a:schemeClr>
+            </a:gs>
+            <a:gs pos="50000">
+              <a:schemeClr val="phClr">
+                <a:lumMod val="105000"/>
+                <a:satMod val="103000"/>
+                <a:tint val="73000"/>
+              </a:schemeClr>
+            </a:gs>
+            <a:gs pos="100000">
+              <a:schemeClr val="phClr">
+                <a:lumMod val="105000"/>
+                <a:satMod val="109000"/>
+                <a:tint val="81000"/>
+              </a:schemeClr>
+            </a:gs>
+          </a:gsLst>
+          <a:lin ang="5400000" scaled="0"/>
+        </a:gradFill>
+        <a:gradFill rotWithShape="1">
+          <a:gsLst>
+            <a:gs pos="0">
+              <a:schemeClr val="phClr">
+                <a:satMod val="103000"/>
+                <a:lumMod val="102000"/>
+                <a:tint val="94000"/>
+              </a:schemeClr>
+            </a:gs>
+            <a:gs pos="50000">
+              <a:schemeClr val="phClr">
+                <a:satMod val="110000"/>
+                <a:lumMod val="100000"/>
+                <a:shade val="100000"/>
+              </a:schemeClr>
+            </a:gs>
+            <a:gs pos="100000">
+              <a:schemeClr val="phClr">
+                <a:lumMod val="99000"/>
+                <a:satMod val="120000"/>
+                <a:shade val="78000"/>
+              </a:schemeClr>
+            </a:gs>
+          </a:gsLst>
+          <a:lin ang="5400000" scaled="0"/>
+        </a:gradFill>
+      </a:fillStyleLst>
+      <a:lnStyleLst>
+        <a:ln w="6350" cap="flat" cmpd="sng" algn="ctr">
+          <a:solidFill>
+            <a:schemeClr val="phClr"/>
+          </a:solidFill>
+          <a:prstDash val="solid"/>
+          <a:miter lim="800000"/>
+        </a:ln>
+        <a:ln w="12700" cap="flat" cmpd="sng" algn="ctr">
+          <a:solidFill>
+            <a:schemeClr val="phClr"/>
+          </a:solidFill>
+          <a:prstDash val="solid"/>
+          <a:miter lim="800000"/>
+        </a:ln>
+        <a:ln w="19050" cap="flat" cmpd="sng" algn="ctr">
+          <a:solidFill>
+            <a:schemeClr val="phClr"/>
+          </a:solidFill>
+          <a:prstDash val="solid"/>
+          <a:miter lim="800000"/>
+        </a:ln>
+      </a:lnStyleLst>
+      <a:effectStyleLst>
+        <a:effectStyle>
+          <a:effectLst/>
+        </a:effectStyle>
+        <a:effectStyle>
+          <a:effectLst/>
+        </a:effectStyle>
+        <a:effectStyle>
+          <a:effectLst>
+            <a:outerShdw blurRad="57150" dist="19050" dir="5400000" algn="ctr" rotWithShape="0">
+              <a:srgbClr val="000000">
+                <a:alpha val="63000"/>
+              </a:srgbClr>
+            </a:outerShdw>
+          </a:effectLst>
+        </a:effectStyle>
+      </a:effectStyleLst>
+      <a:bgFillStyleLst>
+        <a:solidFill>
+          <a:schemeClr val="phClr"/>
+        </a:solidFill>
+        <a:solidFill>
+          <a:schemeClr val="phClr">
+            <a:tint val="95000"/>
+            <a:satMod val="170000"/>
+          </a:schemeClr>
+        </a:solidFill>
+        <a:gradFill rotWithShape="1">
+          <a:gsLst>
+            <a:gs pos="0">
+              <a:schemeClr val="phClr">
+                <a:tint val="93000"/>
+                <a:satMod val="150000"/>
+                <a:shade val="98000"/>
+                <a:lumMod val="102000"/>
+              </a:schemeClr>
+            </a:gs>
+            <a:gs pos="50000">
+              <a:schemeClr val="phClr">
+                <a:tint val="98000"/>
+                <a:satMod val="130000"/>
+                <a:shade val="90000"/>
+                <a:lumMod val="103000"/>
+              </a:schemeClr>
+            </a:gs>
+            <a:gs pos="100000">
+              <a:schemeClr val="phClr">
+                <a:shade val="63000"/>
+                <a:satMod val="120000"/>
+              </a:schemeClr>
+            </a:gs>
+          </a:gsLst>
+          <a:lin ang="5400000" scaled="0"/>
+        </a:gradFill>
+      </a:bgFillStyleLst>
+    </a:fmtScheme>
+  </a:themeElements>
+  <a:objectDefaults/>
+  <a:extraClrSchemeLst/>
+  <a:extLst>
+    <a:ext uri="{05A4C25C-085E-4340-85A3-A5531E510DB2}">
+      <thm15:themeFamily xmlns:thm15="http://schemas.microsoft.com/office/thememl/2012/main" name="Office Theme" id="{62F939B6-93AF-4DB8-9C6B-D6C7DFDC589F}" vid="{4A3C46E8-61CC-4603-A589-7422A47A8E4A}"/>
+    </a:ext>
+  </a:extLst>
+</a:theme>
 </file>